--- a/DP/slides/Lecture-21.pptx
+++ b/DP/slides/Lecture-21.pptx
@@ -239,7 +239,7 @@
           <a:p>
             <a:fld id="{940ACAF8-6340-4DA6-AF6D-0BE72267F94B}" type="datetimeFigureOut">
               <a:rPr lang="en-IN" smtClean="0"/>
-              <a:t>01-11-2023</a:t>
+              <a:t>02-11-2023</a:t>
             </a:fld>
             <a:endParaRPr lang="en-IN"/>
           </a:p>
@@ -656,7 +656,7 @@
           <a:p>
             <a:fld id="{9F18236B-CE04-430A-92A3-9352467EFD31}" type="datetimeFigureOut">
               <a:rPr lang="en-IN" smtClean="0"/>
-              <a:t>01-11-2023</a:t>
+              <a:t>02-11-2023</a:t>
             </a:fld>
             <a:endParaRPr lang="en-IN"/>
           </a:p>
@@ -856,7 +856,7 @@
           <a:p>
             <a:fld id="{9F18236B-CE04-430A-92A3-9352467EFD31}" type="datetimeFigureOut">
               <a:rPr lang="en-IN" smtClean="0"/>
-              <a:t>01-11-2023</a:t>
+              <a:t>02-11-2023</a:t>
             </a:fld>
             <a:endParaRPr lang="en-IN"/>
           </a:p>
@@ -1066,7 +1066,7 @@
           <a:p>
             <a:fld id="{9F18236B-CE04-430A-92A3-9352467EFD31}" type="datetimeFigureOut">
               <a:rPr lang="en-IN" smtClean="0"/>
-              <a:t>01-11-2023</a:t>
+              <a:t>02-11-2023</a:t>
             </a:fld>
             <a:endParaRPr lang="en-IN"/>
           </a:p>
@@ -1266,7 +1266,7 @@
           <a:p>
             <a:fld id="{9F18236B-CE04-430A-92A3-9352467EFD31}" type="datetimeFigureOut">
               <a:rPr lang="en-IN" smtClean="0"/>
-              <a:t>01-11-2023</a:t>
+              <a:t>02-11-2023</a:t>
             </a:fld>
             <a:endParaRPr lang="en-IN"/>
           </a:p>
@@ -1542,7 +1542,7 @@
           <a:p>
             <a:fld id="{9F18236B-CE04-430A-92A3-9352467EFD31}" type="datetimeFigureOut">
               <a:rPr lang="en-IN" smtClean="0"/>
-              <a:t>01-11-2023</a:t>
+              <a:t>02-11-2023</a:t>
             </a:fld>
             <a:endParaRPr lang="en-IN"/>
           </a:p>
@@ -1810,7 +1810,7 @@
           <a:p>
             <a:fld id="{9F18236B-CE04-430A-92A3-9352467EFD31}" type="datetimeFigureOut">
               <a:rPr lang="en-IN" smtClean="0"/>
-              <a:t>01-11-2023</a:t>
+              <a:t>02-11-2023</a:t>
             </a:fld>
             <a:endParaRPr lang="en-IN"/>
           </a:p>
@@ -2225,7 +2225,7 @@
           <a:p>
             <a:fld id="{9F18236B-CE04-430A-92A3-9352467EFD31}" type="datetimeFigureOut">
               <a:rPr lang="en-IN" smtClean="0"/>
-              <a:t>01-11-2023</a:t>
+              <a:t>02-11-2023</a:t>
             </a:fld>
             <a:endParaRPr lang="en-IN"/>
           </a:p>
@@ -2367,7 +2367,7 @@
           <a:p>
             <a:fld id="{9F18236B-CE04-430A-92A3-9352467EFD31}" type="datetimeFigureOut">
               <a:rPr lang="en-IN" smtClean="0"/>
-              <a:t>01-11-2023</a:t>
+              <a:t>02-11-2023</a:t>
             </a:fld>
             <a:endParaRPr lang="en-IN"/>
           </a:p>
@@ -2480,7 +2480,7 @@
           <a:p>
             <a:fld id="{9F18236B-CE04-430A-92A3-9352467EFD31}" type="datetimeFigureOut">
               <a:rPr lang="en-IN" smtClean="0"/>
-              <a:t>01-11-2023</a:t>
+              <a:t>02-11-2023</a:t>
             </a:fld>
             <a:endParaRPr lang="en-IN"/>
           </a:p>
@@ -2793,7 +2793,7 @@
           <a:p>
             <a:fld id="{9F18236B-CE04-430A-92A3-9352467EFD31}" type="datetimeFigureOut">
               <a:rPr lang="en-IN" smtClean="0"/>
-              <a:t>01-11-2023</a:t>
+              <a:t>02-11-2023</a:t>
             </a:fld>
             <a:endParaRPr lang="en-IN"/>
           </a:p>
@@ -3082,7 +3082,7 @@
           <a:p>
             <a:fld id="{9F18236B-CE04-430A-92A3-9352467EFD31}" type="datetimeFigureOut">
               <a:rPr lang="en-IN" smtClean="0"/>
-              <a:t>01-11-2023</a:t>
+              <a:t>02-11-2023</a:t>
             </a:fld>
             <a:endParaRPr lang="en-IN"/>
           </a:p>
@@ -3325,7 +3325,7 @@
           <a:p>
             <a:fld id="{9F18236B-CE04-430A-92A3-9352467EFD31}" type="datetimeFigureOut">
               <a:rPr lang="en-IN" smtClean="0"/>
-              <a:t>01-11-2023</a:t>
+              <a:t>02-11-2023</a:t>
             </a:fld>
             <a:endParaRPr lang="en-IN"/>
           </a:p>
@@ -3935,7 +3935,19 @@
                       <a:rPr lang="en-IN" b="0" i="1" smtClean="0">
                         <a:latin typeface="Cambria Math" panose="02040503050406030204" pitchFamily="18" charset="0"/>
                       </a:rPr>
-                      <m:t>←0}</m:t>
+                      <m:t>←</m:t>
+                    </m:r>
+                    <m:r>
+                      <a:rPr lang="en-IN" b="0" i="1" smtClean="0">
+                        <a:latin typeface="Cambria Math" panose="02040503050406030204" pitchFamily="18" charset="0"/>
+                      </a:rPr>
+                      <m:t>0</m:t>
+                    </m:r>
+                    <m:r>
+                      <a:rPr lang="en-IN" b="0" i="1" smtClean="0">
+                        <a:latin typeface="Cambria Math" panose="02040503050406030204" pitchFamily="18" charset="0"/>
+                      </a:rPr>
+                      <m:t>}</m:t>
                     </m:r>
                   </m:oMath>
                 </a14:m>
@@ -4130,7 +4142,19 @@
                       <a:rPr lang="en-IN" b="0" i="1" smtClean="0">
                         <a:latin typeface="Cambria Math" panose="02040503050406030204" pitchFamily="18" charset="0"/>
                       </a:rPr>
-                      <m:t>←0}</m:t>
+                      <m:t>←</m:t>
+                    </m:r>
+                    <m:r>
+                      <a:rPr lang="en-IN" b="0" i="1" smtClean="0">
+                        <a:latin typeface="Cambria Math" panose="02040503050406030204" pitchFamily="18" charset="0"/>
+                      </a:rPr>
+                      <m:t>0</m:t>
+                    </m:r>
+                    <m:r>
+                      <a:rPr lang="en-IN" b="0" i="1" smtClean="0">
+                        <a:latin typeface="Cambria Math" panose="02040503050406030204" pitchFamily="18" charset="0"/>
+                      </a:rPr>
+                      <m:t>}</m:t>
                     </m:r>
                   </m:oMath>
                 </a14:m>
@@ -4200,7 +4224,19 @@
                       <a:rPr lang="en-IN" b="0" i="1" smtClean="0">
                         <a:latin typeface="Cambria Math" panose="02040503050406030204" pitchFamily="18" charset="0"/>
                       </a:rPr>
-                      <m:t>=0∧∀</m:t>
+                      <m:t>=</m:t>
+                    </m:r>
+                    <m:r>
+                      <a:rPr lang="en-IN" b="0" i="1" smtClean="0">
+                        <a:latin typeface="Cambria Math" panose="02040503050406030204" pitchFamily="18" charset="0"/>
+                      </a:rPr>
+                      <m:t>0</m:t>
+                    </m:r>
+                    <m:r>
+                      <a:rPr lang="en-IN" b="0" i="1" smtClean="0">
+                        <a:latin typeface="Cambria Math" panose="02040503050406030204" pitchFamily="18" charset="0"/>
+                      </a:rPr>
+                      <m:t>∧∀</m:t>
                     </m:r>
                     <m:r>
                       <a:rPr lang="en-IN" b="0" i="1" smtClean="0">
@@ -4404,12 +4440,24 @@
                         <a:rPr lang="en-IN" b="0" i="1" smtClean="0">
                           <a:latin typeface="Cambria Math" panose="02040503050406030204" pitchFamily="18" charset="0"/>
                         </a:rPr>
-                        <m:t>=0∧∀</m:t>
+                        <m:t>=</m:t>
                       </m:r>
                       <m:r>
                         <a:rPr lang="en-IN" b="0" i="1" smtClean="0">
                           <a:latin typeface="Cambria Math" panose="02040503050406030204" pitchFamily="18" charset="0"/>
                         </a:rPr>
+                        <m:t>0</m:t>
+                      </m:r>
+                      <m:r>
+                        <a:rPr lang="en-IN" b="0" i="1" smtClean="0">
+                          <a:latin typeface="Cambria Math" panose="02040503050406030204" pitchFamily="18" charset="0"/>
+                        </a:rPr>
+                        <m:t>∧∀</m:t>
+                      </m:r>
+                      <m:r>
+                        <a:rPr lang="en-IN" b="0" i="1" smtClean="0">
+                          <a:latin typeface="Cambria Math" panose="02040503050406030204" pitchFamily="18" charset="0"/>
+                        </a:rPr>
                         <m:t>𝑗</m:t>
                       </m:r>
                       <m:r>
@@ -4440,19 +4488,43 @@
                         <a:rPr lang="en-IN" b="0" i="1" smtClean="0">
                           <a:latin typeface="Cambria Math" panose="02040503050406030204" pitchFamily="18" charset="0"/>
                         </a:rPr>
-                        <m:t>−1∨</m:t>
+                        <m:t>−</m:t>
                       </m:r>
                       <m:r>
                         <a:rPr lang="en-IN" b="0" i="1" smtClean="0">
                           <a:latin typeface="Cambria Math" panose="02040503050406030204" pitchFamily="18" charset="0"/>
                         </a:rPr>
+                        <m:t>1</m:t>
+                      </m:r>
+                      <m:r>
+                        <a:rPr lang="en-IN" b="0" i="1" smtClean="0">
+                          <a:latin typeface="Cambria Math" panose="02040503050406030204" pitchFamily="18" charset="0"/>
+                        </a:rPr>
+                        <m:t>∨</m:t>
+                      </m:r>
+                      <m:r>
+                        <a:rPr lang="en-IN" b="0" i="1" smtClean="0">
+                          <a:latin typeface="Cambria Math" panose="02040503050406030204" pitchFamily="18" charset="0"/>
+                        </a:rPr>
                         <m:t>𝑖</m:t>
                       </m:r>
                       <m:r>
                         <a:rPr lang="en-IN" b="0" i="1" smtClean="0">
                           <a:latin typeface="Cambria Math" panose="02040503050406030204" pitchFamily="18" charset="0"/>
                         </a:rPr>
-                        <m:t>+1≤</m:t>
+                        <m:t>+</m:t>
+                      </m:r>
+                      <m:r>
+                        <a:rPr lang="en-IN" b="0" i="1" smtClean="0">
+                          <a:latin typeface="Cambria Math" panose="02040503050406030204" pitchFamily="18" charset="0"/>
+                        </a:rPr>
+                        <m:t>1</m:t>
+                      </m:r>
+                      <m:r>
+                        <a:rPr lang="en-IN" b="0" i="1" smtClean="0">
+                          <a:latin typeface="Cambria Math" panose="02040503050406030204" pitchFamily="18" charset="0"/>
+                        </a:rPr>
+                        <m:t>≤</m:t>
                       </m:r>
                       <m:r>
                         <a:rPr lang="en-IN" b="0" i="1" smtClean="0">
@@ -5143,43 +5215,19 @@
                       <a:rPr lang="en-IN" b="0" i="1" smtClean="0">
                         <a:latin typeface="Cambria Math" panose="02040503050406030204" pitchFamily="18" charset="0"/>
                       </a:rPr>
-                      <m:t>−</m:t>
+                      <m:t>−1∨</m:t>
                     </m:r>
                     <m:r>
                       <a:rPr lang="en-IN" b="0" i="1" smtClean="0">
                         <a:latin typeface="Cambria Math" panose="02040503050406030204" pitchFamily="18" charset="0"/>
                       </a:rPr>
-                      <m:t>1</m:t>
+                      <m:t>𝑣</m:t>
                     </m:r>
                     <m:r>
                       <a:rPr lang="en-IN" b="0" i="1" smtClean="0">
                         <a:latin typeface="Cambria Math" panose="02040503050406030204" pitchFamily="18" charset="0"/>
                       </a:rPr>
-                      <m:t>∨</m:t>
-                    </m:r>
-                    <m:r>
-                      <a:rPr lang="en-IN" b="0" i="1" smtClean="0">
-                        <a:latin typeface="Cambria Math" panose="02040503050406030204" pitchFamily="18" charset="0"/>
-                      </a:rPr>
-                      <m:t>𝑣</m:t>
-                    </m:r>
-                    <m:r>
-                      <a:rPr lang="en-IN" b="0" i="1" smtClean="0">
-                        <a:latin typeface="Cambria Math" panose="02040503050406030204" pitchFamily="18" charset="0"/>
-                      </a:rPr>
-                      <m:t>+</m:t>
-                    </m:r>
-                    <m:r>
-                      <a:rPr lang="en-IN" b="0" i="1" smtClean="0">
-                        <a:latin typeface="Cambria Math" panose="02040503050406030204" pitchFamily="18" charset="0"/>
-                      </a:rPr>
-                      <m:t>1</m:t>
-                    </m:r>
-                    <m:r>
-                      <a:rPr lang="en-IN" b="0" i="1" smtClean="0">
-                        <a:latin typeface="Cambria Math" panose="02040503050406030204" pitchFamily="18" charset="0"/>
-                      </a:rPr>
-                      <m:t>≤</m:t>
+                      <m:t>+1≤</m:t>
                     </m:r>
                     <m:r>
                       <a:rPr lang="en-IN" b="0" i="1" smtClean="0">
@@ -5880,8 +5928,8 @@
           </a:p>
         </p:txBody>
       </p:sp>
-      <mc:AlternateContent xmlns:mc="http://schemas.openxmlformats.org/markup-compatibility/2006">
-        <mc:Choice xmlns:a14="http://schemas.microsoft.com/office/drawing/2010/main" Requires="a14">
+      <mc:AlternateContent xmlns:mc="http://schemas.openxmlformats.org/markup-compatibility/2006" xmlns:a14="http://schemas.microsoft.com/office/drawing/2010/main">
+        <mc:Choice Requires="a14">
           <p:sp>
             <p:nvSpPr>
               <p:cNvPr id="3" name="Content Placeholder 2">
@@ -6159,19 +6207,43 @@
                             <a:rPr lang="en-IN" b="0" i="1" smtClean="0">
                               <a:latin typeface="Cambria Math" panose="02040503050406030204" pitchFamily="18" charset="0"/>
                             </a:rPr>
-                            <m:t>−1∨ </m:t>
+                            <m:t>−</m:t>
                           </m:r>
                           <m:r>
                             <a:rPr lang="en-IN" b="0" i="1" smtClean="0">
                               <a:latin typeface="Cambria Math" panose="02040503050406030204" pitchFamily="18" charset="0"/>
                             </a:rPr>
+                            <m:t>1</m:t>
+                          </m:r>
+                          <m:r>
+                            <a:rPr lang="en-IN" b="0" i="1" smtClean="0">
+                              <a:latin typeface="Cambria Math" panose="02040503050406030204" pitchFamily="18" charset="0"/>
+                            </a:rPr>
+                            <m:t>∨ </m:t>
+                          </m:r>
+                          <m:r>
+                            <a:rPr lang="en-IN" b="0" i="1" smtClean="0">
+                              <a:latin typeface="Cambria Math" panose="02040503050406030204" pitchFamily="18" charset="0"/>
+                            </a:rPr>
                             <m:t>𝑖</m:t>
                           </m:r>
                           <m:r>
                             <a:rPr lang="en-IN" b="0" i="1" smtClean="0">
                               <a:latin typeface="Cambria Math" panose="02040503050406030204" pitchFamily="18" charset="0"/>
                             </a:rPr>
-                            <m:t>+1 ≤ </m:t>
+                            <m:t>+</m:t>
+                          </m:r>
+                          <m:r>
+                            <a:rPr lang="en-IN" b="0" i="1" smtClean="0">
+                              <a:latin typeface="Cambria Math" panose="02040503050406030204" pitchFamily="18" charset="0"/>
+                            </a:rPr>
+                            <m:t>1</m:t>
+                          </m:r>
+                          <m:r>
+                            <a:rPr lang="en-IN" b="0" i="1" smtClean="0">
+                              <a:latin typeface="Cambria Math" panose="02040503050406030204" pitchFamily="18" charset="0"/>
+                            </a:rPr>
+                            <m:t> ≤ </m:t>
                           </m:r>
                           <m:r>
                             <a:rPr lang="en-IN" b="0" i="1" smtClean="0">
@@ -6326,7 +6398,13 @@
                         <a:rPr lang="en-IN" b="0" i="1" smtClean="0">
                           <a:latin typeface="Cambria Math" panose="02040503050406030204" pitchFamily="18" charset="0"/>
                         </a:rPr>
-                        <m:t>𝑓𝑟𝑒𝑠h</m:t>
+                        <m:t>𝑓𝑟𝑒𝑠</m:t>
+                      </m:r>
+                      <m:r>
+                        <a:rPr lang="en-IN" b="0" i="1" smtClean="0">
+                          <a:latin typeface="Cambria Math" panose="02040503050406030204" pitchFamily="18" charset="0"/>
+                        </a:rPr>
+                        <m:t>h</m:t>
                       </m:r>
                       <m:r>
                         <a:rPr lang="en-IN" b="0" i="1" smtClean="0">
@@ -6373,7 +6451,7 @@
             </p:txBody>
           </p:sp>
         </mc:Choice>
-        <mc:Fallback>
+        <mc:Fallback xmlns="">
           <p:sp>
             <p:nvSpPr>
               <p:cNvPr id="3" name="Content Placeholder 2">
@@ -8255,19 +8333,7 @@
                       <a:rPr lang="en-IN" sz="2200" b="0" i="1" smtClean="0">
                         <a:latin typeface="Cambria Math" panose="02040503050406030204" pitchFamily="18" charset="0"/>
                       </a:rPr>
-                      <m:t>+</m:t>
-                    </m:r>
-                    <m:r>
-                      <a:rPr lang="en-IN" sz="2200" b="0" i="1" smtClean="0">
-                        <a:latin typeface="Cambria Math" panose="02040503050406030204" pitchFamily="18" charset="0"/>
-                      </a:rPr>
-                      <m:t>1</m:t>
-                    </m:r>
-                    <m:r>
-                      <a:rPr lang="en-IN" sz="2200" b="0" i="1" smtClean="0">
-                        <a:latin typeface="Cambria Math" panose="02040503050406030204" pitchFamily="18" charset="0"/>
-                      </a:rPr>
-                      <m:t>→</m:t>
+                      <m:t>+1→</m:t>
                     </m:r>
                     <m:r>
                       <a:rPr lang="en-IN" sz="2200" b="0" i="1" smtClean="0">
@@ -8298,63 +8364,42 @@
                         <a:latin typeface="Cambria Math" panose="02040503050406030204" pitchFamily="18" charset="0"/>
                         <a:ea typeface="Cambria Math" panose="02040503050406030204" pitchFamily="18" charset="0"/>
                       </a:rPr>
-                      <m:t>+</m:t>
-                    </m:r>
-                    <m:r>
-                      <a:rPr lang="en-IN" sz="2200" b="0" i="0" smtClean="0">
+                      <m:t>+1</m:t>
+                    </m:r>
+                    <m:r>
+                      <a:rPr lang="en-IN" sz="2200" i="1">
                         <a:latin typeface="Cambria Math" panose="02040503050406030204" pitchFamily="18" charset="0"/>
                         <a:ea typeface="Cambria Math" panose="02040503050406030204" pitchFamily="18" charset="0"/>
                       </a:rPr>
-                      <m:t>1</m:t>
-                    </m:r>
-                    <m:r>
-                      <a:rPr lang="en-IN" sz="2200" i="1">
+                      <m:t>⊲</m:t>
+                    </m:r>
+                    <m:r>
+                      <a:rPr lang="en-IN" sz="2200" b="0" i="1" smtClean="0">
                         <a:latin typeface="Cambria Math" panose="02040503050406030204" pitchFamily="18" charset="0"/>
                         <a:ea typeface="Cambria Math" panose="02040503050406030204" pitchFamily="18" charset="0"/>
                       </a:rPr>
-                      <m:t>⊲</m:t>
+                      <m:t>𝑏</m:t>
                     </m:r>
                     <m:r>
                       <a:rPr lang="en-IN" sz="2200" b="0" i="1" smtClean="0">
                         <a:latin typeface="Cambria Math" panose="02040503050406030204" pitchFamily="18" charset="0"/>
                         <a:ea typeface="Cambria Math" panose="02040503050406030204" pitchFamily="18" charset="0"/>
                       </a:rPr>
-                      <m:t>𝑏</m:t>
+                      <m:t>[</m:t>
                     </m:r>
                     <m:r>
                       <a:rPr lang="en-IN" sz="2200" b="0" i="1" smtClean="0">
                         <a:latin typeface="Cambria Math" panose="02040503050406030204" pitchFamily="18" charset="0"/>
                         <a:ea typeface="Cambria Math" panose="02040503050406030204" pitchFamily="18" charset="0"/>
                       </a:rPr>
-                      <m:t>[</m:t>
+                      <m:t>𝑢</m:t>
                     </m:r>
                     <m:r>
                       <a:rPr lang="en-IN" sz="2200" b="0" i="1" smtClean="0">
                         <a:latin typeface="Cambria Math" panose="02040503050406030204" pitchFamily="18" charset="0"/>
                         <a:ea typeface="Cambria Math" panose="02040503050406030204" pitchFamily="18" charset="0"/>
                       </a:rPr>
-                      <m:t>𝑢</m:t>
-                    </m:r>
-                    <m:r>
-                      <a:rPr lang="en-IN" sz="2200" b="0" i="1" smtClean="0">
-                        <a:latin typeface="Cambria Math" panose="02040503050406030204" pitchFamily="18" charset="0"/>
-                        <a:ea typeface="Cambria Math" panose="02040503050406030204" pitchFamily="18" charset="0"/>
-                      </a:rPr>
-                      <m:t>+</m:t>
-                    </m:r>
-                    <m:r>
-                      <a:rPr lang="en-IN" sz="2200" b="0" i="1" smtClean="0">
-                        <a:latin typeface="Cambria Math" panose="02040503050406030204" pitchFamily="18" charset="0"/>
-                        <a:ea typeface="Cambria Math" panose="02040503050406030204" pitchFamily="18" charset="0"/>
-                      </a:rPr>
-                      <m:t>1</m:t>
-                    </m:r>
-                    <m:r>
-                      <a:rPr lang="en-IN" sz="2200" b="0" i="1" smtClean="0">
-                        <a:latin typeface="Cambria Math" panose="02040503050406030204" pitchFamily="18" charset="0"/>
-                        <a:ea typeface="Cambria Math" panose="02040503050406030204" pitchFamily="18" charset="0"/>
-                      </a:rPr>
-                      <m:t>]</m:t>
+                      <m:t>+1]</m:t>
                     </m:r>
                   </m:oMath>
                 </a14:m>
@@ -10994,7 +11039,25 @@
                               </a:solidFill>
                               <a:latin typeface="Cambria Math" panose="02040503050406030204" pitchFamily="18" charset="0"/>
                             </a:rPr>
-                            <m:t>+1∧</m:t>
+                            <m:t>+</m:t>
+                          </m:r>
+                          <m:r>
+                            <a:rPr lang="en-IN" sz="2800" b="0" i="1" smtClean="0">
+                              <a:solidFill>
+                                <a:schemeClr val="tx1"/>
+                              </a:solidFill>
+                              <a:latin typeface="Cambria Math" panose="02040503050406030204" pitchFamily="18" charset="0"/>
+                            </a:rPr>
+                            <m:t>1</m:t>
+                          </m:r>
+                          <m:r>
+                            <a:rPr lang="en-IN" sz="2800" b="0" i="1" smtClean="0">
+                              <a:solidFill>
+                                <a:schemeClr val="tx1"/>
+                              </a:solidFill>
+                              <a:latin typeface="Cambria Math" panose="02040503050406030204" pitchFamily="18" charset="0"/>
+                            </a:rPr>
+                            <m:t>∧</m:t>
                           </m:r>
                           <m:sSup>
                             <m:sSupPr>
@@ -11205,7 +11268,16 @@
                                   </a:solidFill>
                                   <a:latin typeface="Cambria Math" panose="02040503050406030204" pitchFamily="18" charset="0"/>
                                 </a:rPr>
-                                <m:t>+1</m:t>
+                                <m:t>+</m:t>
+                              </m:r>
+                              <m:r>
+                                <a:rPr lang="en-IN" sz="2800" b="0" i="1" dirty="0" smtClean="0">
+                                  <a:solidFill>
+                                    <a:schemeClr val="tx1"/>
+                                  </a:solidFill>
+                                  <a:latin typeface="Cambria Math" panose="02040503050406030204" pitchFamily="18" charset="0"/>
+                                </a:rPr>
+                                <m:t>1</m:t>
                               </m:r>
                             </m:e>
                           </m:d>
@@ -11257,7 +11329,16 @@
                                   </a:solidFill>
                                   <a:latin typeface="Cambria Math" panose="02040503050406030204" pitchFamily="18" charset="0"/>
                                 </a:rPr>
-                                <m:t>+1</m:t>
+                                <m:t>+</m:t>
+                              </m:r>
+                              <m:r>
+                                <a:rPr lang="en-IN" sz="2800" b="0" i="1" dirty="0" smtClean="0">
+                                  <a:solidFill>
+                                    <a:schemeClr val="tx1"/>
+                                  </a:solidFill>
+                                  <a:latin typeface="Cambria Math" panose="02040503050406030204" pitchFamily="18" charset="0"/>
+                                </a:rPr>
+                                <m:t>1</m:t>
                               </m:r>
                             </m:e>
                           </m:d>
@@ -11386,7 +11467,19 @@
                                         <a:rPr lang="en-IN" i="1" dirty="0">
                                           <a:latin typeface="Cambria Math" panose="02040503050406030204" pitchFamily="18" charset="0"/>
                                         </a:rPr>
-                                        <m:t>+2≤</m:t>
+                                        <m:t>+</m:t>
+                                      </m:r>
+                                      <m:r>
+                                        <a:rPr lang="en-IN" i="1" dirty="0">
+                                          <a:latin typeface="Cambria Math" panose="02040503050406030204" pitchFamily="18" charset="0"/>
+                                        </a:rPr>
+                                        <m:t>2</m:t>
+                                      </m:r>
+                                      <m:r>
+                                        <a:rPr lang="en-IN" i="1" dirty="0">
+                                          <a:latin typeface="Cambria Math" panose="02040503050406030204" pitchFamily="18" charset="0"/>
+                                        </a:rPr>
+                                        <m:t>≤</m:t>
                                       </m:r>
                                       <m:r>
                                         <a:rPr lang="en-IN" i="1" dirty="0">
@@ -11542,19 +11635,43 @@
                         <a:rPr lang="en-IN" b="0" i="1" smtClean="0">
                           <a:latin typeface="Cambria Math" panose="02040503050406030204" pitchFamily="18" charset="0"/>
                         </a:rPr>
-                        <m:t>+1,</m:t>
+                        <m:t>+</m:t>
                       </m:r>
                       <m:r>
                         <a:rPr lang="en-IN" b="0" i="1" smtClean="0">
                           <a:latin typeface="Cambria Math" panose="02040503050406030204" pitchFamily="18" charset="0"/>
                         </a:rPr>
+                        <m:t>1</m:t>
+                      </m:r>
+                      <m:r>
+                        <a:rPr lang="en-IN" b="0" i="1" smtClean="0">
+                          <a:latin typeface="Cambria Math" panose="02040503050406030204" pitchFamily="18" charset="0"/>
+                        </a:rPr>
+                        <m:t>,</m:t>
+                      </m:r>
+                      <m:r>
+                        <a:rPr lang="en-IN" b="0" i="1" smtClean="0">
+                          <a:latin typeface="Cambria Math" panose="02040503050406030204" pitchFamily="18" charset="0"/>
+                        </a:rPr>
                         <m:t>𝑢</m:t>
                       </m:r>
                       <m:r>
                         <a:rPr lang="en-IN" b="0" i="1" smtClean="0">
                           <a:latin typeface="Cambria Math" panose="02040503050406030204" pitchFamily="18" charset="0"/>
                         </a:rPr>
-                        <m:t>+2,</m:t>
+                        <m:t>+</m:t>
+                      </m:r>
+                      <m:r>
+                        <a:rPr lang="en-IN" b="0" i="1" smtClean="0">
+                          <a:latin typeface="Cambria Math" panose="02040503050406030204" pitchFamily="18" charset="0"/>
+                        </a:rPr>
+                        <m:t>2</m:t>
+                      </m:r>
+                      <m:r>
+                        <a:rPr lang="en-IN" b="0" i="1" smtClean="0">
+                          <a:latin typeface="Cambria Math" panose="02040503050406030204" pitchFamily="18" charset="0"/>
+                        </a:rPr>
+                        <m:t>,</m:t>
                       </m:r>
                       <m:r>
                         <a:rPr lang="en-IN" b="0" i="1" smtClean="0">
@@ -16965,8 +17082,8 @@
           </a:p>
         </p:txBody>
       </p:sp>
-      <mc:AlternateContent xmlns:mc="http://schemas.openxmlformats.org/markup-compatibility/2006">
-        <mc:Choice xmlns:a14="http://schemas.microsoft.com/office/drawing/2010/main" Requires="a14">
+      <mc:AlternateContent xmlns:mc="http://schemas.openxmlformats.org/markup-compatibility/2006" xmlns:a14="http://schemas.microsoft.com/office/drawing/2010/main">
+        <mc:Choice Requires="a14">
           <p:sp>
             <p:nvSpPr>
               <p:cNvPr id="3" name="Content Placeholder 2">
@@ -17311,7 +17428,7 @@
             </p:txBody>
           </p:sp>
         </mc:Choice>
-        <mc:Fallback>
+        <mc:Fallback xmlns="">
           <p:sp>
             <p:nvSpPr>
               <p:cNvPr id="3" name="Content Placeholder 2">
@@ -17409,8 +17526,8 @@
           </a:p>
         </p:txBody>
       </p:sp>
-      <mc:AlternateContent xmlns:mc="http://schemas.openxmlformats.org/markup-compatibility/2006">
-        <mc:Choice xmlns:a14="http://schemas.microsoft.com/office/drawing/2010/main" Requires="a14">
+      <mc:AlternateContent xmlns:mc="http://schemas.openxmlformats.org/markup-compatibility/2006" xmlns:a14="http://schemas.microsoft.com/office/drawing/2010/main">
+        <mc:Choice Requires="a14">
           <p:sp>
             <p:nvSpPr>
               <p:cNvPr id="3" name="Content Placeholder 2">
@@ -17504,13 +17621,7 @@
                             <a:rPr lang="en-IN" sz="2200" b="0" i="1" smtClean="0">
                               <a:latin typeface="Cambria Math" panose="02040503050406030204" pitchFamily="18" charset="0"/>
                             </a:rPr>
-                            <m:t>−1</m:t>
-                          </m:r>
-                          <m:r>
-                            <a:rPr lang="en-IN" sz="2200" b="0" i="1" smtClean="0">
-                              <a:latin typeface="Cambria Math" panose="02040503050406030204" pitchFamily="18" charset="0"/>
-                            </a:rPr>
-                            <m:t>→</m:t>
+                            <m:t>−1→</m:t>
                           </m:r>
                           <m:r>
                             <a:rPr lang="en-IN" sz="2200" b="0" i="1" smtClean="0">
@@ -17792,13 +17903,7 @@
                             <a:rPr lang="en-IN" sz="2200" b="0" i="1" smtClean="0">
                               <a:latin typeface="Cambria Math" panose="02040503050406030204" pitchFamily="18" charset="0"/>
                             </a:rPr>
-                            <m:t>−1</m:t>
-                          </m:r>
-                          <m:r>
-                            <a:rPr lang="en-IN" sz="2200" b="0" i="1" smtClean="0">
-                              <a:latin typeface="Cambria Math" panose="02040503050406030204" pitchFamily="18" charset="0"/>
-                            </a:rPr>
-                            <m:t>→</m:t>
+                            <m:t>−1→</m:t>
                           </m:r>
                           <m:r>
                             <a:rPr lang="en-IN" sz="2200" b="0" i="1" smtClean="0">
@@ -18083,13 +18188,7 @@
                             <a:rPr lang="en-IN" sz="2200" b="0" i="1" smtClean="0">
                               <a:latin typeface="Cambria Math" panose="02040503050406030204" pitchFamily="18" charset="0"/>
                             </a:rPr>
-                            <m:t>−1</m:t>
-                          </m:r>
-                          <m:r>
-                            <a:rPr lang="en-IN" sz="2200" b="0" i="1" smtClean="0">
-                              <a:latin typeface="Cambria Math" panose="02040503050406030204" pitchFamily="18" charset="0"/>
-                            </a:rPr>
-                            <m:t>→</m:t>
+                            <m:t>−1→</m:t>
                           </m:r>
                           <m:r>
                             <a:rPr lang="en-IN" sz="2200" b="0" i="1" smtClean="0">
@@ -18579,13 +18678,7 @@
                               </a:solidFill>
                               <a:latin typeface="Cambria Math" panose="02040503050406030204" pitchFamily="18" charset="0"/>
                             </a:rPr>
-                            <m:t>−1</m:t>
-                          </m:r>
-                          <m:r>
-                            <a:rPr lang="en-IN" sz="2200" b="0" i="1" smtClean="0">
-                              <a:latin typeface="Cambria Math" panose="02040503050406030204" pitchFamily="18" charset="0"/>
-                            </a:rPr>
-                            <m:t>→</m:t>
+                            <m:t>−1→</m:t>
                           </m:r>
                           <m:r>
                             <a:rPr lang="en-IN" sz="2200" b="0" i="1" smtClean="0">
@@ -19083,13 +19176,7 @@
                           <a:rPr lang="en-IN" sz="2200" b="0" i="1" smtClean="0">
                             <a:latin typeface="Cambria Math" panose="02040503050406030204" pitchFamily="18" charset="0"/>
                           </a:rPr>
-                          <m:t>−1</m:t>
-                        </m:r>
-                        <m:r>
-                          <a:rPr lang="en-IN" sz="2200" b="0" i="1" smtClean="0">
-                            <a:latin typeface="Cambria Math" panose="02040503050406030204" pitchFamily="18" charset="0"/>
-                          </a:rPr>
-                          <m:t>,</m:t>
+                          <m:t>−1,</m:t>
                         </m:r>
                         <m:r>
                           <a:rPr lang="en-IN" sz="2200" b="0" i="1" smtClean="0">
@@ -19139,7 +19226,7 @@
             </p:txBody>
           </p:sp>
         </mc:Choice>
-        <mc:Fallback>
+        <mc:Fallback xmlns="">
           <p:sp>
             <p:nvSpPr>
               <p:cNvPr id="3" name="Content Placeholder 2">
@@ -19237,8 +19324,8 @@
           </a:p>
         </p:txBody>
       </p:sp>
-      <mc:AlternateContent xmlns:mc="http://schemas.openxmlformats.org/markup-compatibility/2006">
-        <mc:Choice xmlns:a14="http://schemas.microsoft.com/office/drawing/2010/main" Requires="a14">
+      <mc:AlternateContent xmlns:mc="http://schemas.openxmlformats.org/markup-compatibility/2006" xmlns:a14="http://schemas.microsoft.com/office/drawing/2010/main">
+        <mc:Choice Requires="a14">
           <p:sp>
             <p:nvSpPr>
               <p:cNvPr id="3" name="Content Placeholder 2">
@@ -19373,13 +19460,7 @@
                                 <a:rPr lang="en-IN" sz="2200" b="0" i="1" smtClean="0">
                                   <a:latin typeface="Cambria Math" panose="02040503050406030204" pitchFamily="18" charset="0"/>
                                 </a:rPr>
-                                <m:t>−</m:t>
-                              </m:r>
-                              <m:r>
-                                <a:rPr lang="en-IN" sz="2200" b="0" i="1" smtClean="0">
-                                  <a:latin typeface="Cambria Math" panose="02040503050406030204" pitchFamily="18" charset="0"/>
-                                </a:rPr>
-                                <m:t>1</m:t>
+                                <m:t>−1</m:t>
                               </m:r>
                               <m:r>
                                 <a:rPr lang="en-IN" sz="2200" i="1">
@@ -19416,13 +19497,7 @@
                                 <a:rPr lang="en-IN" sz="2200" i="1">
                                   <a:latin typeface="Cambria Math" panose="02040503050406030204" pitchFamily="18" charset="0"/>
                                 </a:rPr>
-                                <m:t>=</m:t>
-                              </m:r>
-                              <m:r>
-                                <a:rPr lang="en-IN" sz="2200" i="1">
-                                  <a:latin typeface="Cambria Math" panose="02040503050406030204" pitchFamily="18" charset="0"/>
-                                </a:rPr>
-                                <m:t>0</m:t>
+                                <m:t>=0</m:t>
                               </m:r>
                               <m:r>
                                 <a:rPr lang="en-IN" sz="2200" b="0" i="1" smtClean="0">
@@ -19557,16 +19632,7 @@
                               </a:solidFill>
                               <a:latin typeface="Cambria Math" panose="02040503050406030204" pitchFamily="18" charset="0"/>
                             </a:rPr>
-                            <m:t>≠</m:t>
-                          </m:r>
-                          <m:r>
-                            <a:rPr lang="en-IN" sz="2200" b="0" i="1" smtClean="0">
-                              <a:solidFill>
-                                <a:schemeClr val="tx1"/>
-                              </a:solidFill>
-                              <a:latin typeface="Cambria Math" panose="02040503050406030204" pitchFamily="18" charset="0"/>
-                            </a:rPr>
-                            <m:t>0</m:t>
+                            <m:t>≠0</m:t>
                           </m:r>
                         </m:e>
                       </m:d>
@@ -19657,16 +19723,7 @@
                               </a:solidFill>
                               <a:latin typeface="Cambria Math" panose="02040503050406030204" pitchFamily="18" charset="0"/>
                             </a:rPr>
-                            <m:t>=</m:t>
-                          </m:r>
-                          <m:r>
-                            <a:rPr lang="en-IN" sz="2200" b="0" i="1" smtClean="0">
-                              <a:solidFill>
-                                <a:schemeClr val="tx1"/>
-                              </a:solidFill>
-                              <a:latin typeface="Cambria Math" panose="02040503050406030204" pitchFamily="18" charset="0"/>
-                            </a:rPr>
-                            <m:t>0</m:t>
+                            <m:t>=0</m:t>
                           </m:r>
                         </m:e>
                       </m:d>
@@ -19801,19 +19858,7 @@
                                     <a:rPr lang="en-IN" sz="2200" i="1">
                                       <a:latin typeface="Cambria Math" panose="02040503050406030204" pitchFamily="18" charset="0"/>
                                     </a:rPr>
-                                    <m:t>−</m:t>
-                                  </m:r>
-                                  <m:r>
-                                    <a:rPr lang="en-IN" sz="2200" i="1">
-                                      <a:latin typeface="Cambria Math" panose="02040503050406030204" pitchFamily="18" charset="0"/>
-                                    </a:rPr>
-                                    <m:t>1</m:t>
-                                  </m:r>
-                                  <m:r>
-                                    <a:rPr lang="en-IN" sz="2200" i="1">
-                                      <a:latin typeface="Cambria Math" panose="02040503050406030204" pitchFamily="18" charset="0"/>
-                                    </a:rPr>
-                                    <m:t>∨</m:t>
+                                    <m:t>−1∨</m:t>
                                   </m:r>
                                   <m:r>
                                     <a:rPr lang="en-IN" sz="2200" i="1">
@@ -19825,19 +19870,7 @@
                                     <a:rPr lang="en-IN" sz="2200" i="1">
                                       <a:latin typeface="Cambria Math" panose="02040503050406030204" pitchFamily="18" charset="0"/>
                                     </a:rPr>
-                                    <m:t>+</m:t>
-                                  </m:r>
-                                  <m:r>
-                                    <a:rPr lang="en-IN" sz="2200" i="1">
-                                      <a:latin typeface="Cambria Math" panose="02040503050406030204" pitchFamily="18" charset="0"/>
-                                    </a:rPr>
-                                    <m:t>1</m:t>
-                                  </m:r>
-                                  <m:r>
-                                    <a:rPr lang="en-IN" sz="2200" i="1">
-                                      <a:latin typeface="Cambria Math" panose="02040503050406030204" pitchFamily="18" charset="0"/>
-                                    </a:rPr>
-                                    <m:t>≤</m:t>
+                                    <m:t>+1≤</m:t>
                                   </m:r>
                                   <m:r>
                                     <a:rPr lang="en-IN" sz="2200" i="1">
@@ -20012,19 +20045,7 @@
                           <a:rPr lang="en-IN" sz="2200" b="0" i="1" smtClean="0">
                             <a:latin typeface="Cambria Math" panose="02040503050406030204" pitchFamily="18" charset="0"/>
                           </a:rPr>
-                          <m:t>−</m:t>
-                        </m:r>
-                        <m:r>
-                          <a:rPr lang="en-IN" sz="2200" b="0" i="1" smtClean="0">
-                            <a:latin typeface="Cambria Math" panose="02040503050406030204" pitchFamily="18" charset="0"/>
-                          </a:rPr>
-                          <m:t>1</m:t>
-                        </m:r>
-                        <m:r>
-                          <a:rPr lang="en-IN" sz="2200" b="0" i="1" smtClean="0">
-                            <a:latin typeface="Cambria Math" panose="02040503050406030204" pitchFamily="18" charset="0"/>
-                          </a:rPr>
-                          <m:t>,</m:t>
+                          <m:t>−1,</m:t>
                         </m:r>
                         <m:r>
                           <a:rPr lang="en-IN" sz="2200" b="0" i="1" smtClean="0">
@@ -20048,13 +20069,7 @@
                           <a:rPr lang="en-IN" sz="2200" b="0" i="1" smtClean="0">
                             <a:latin typeface="Cambria Math" panose="02040503050406030204" pitchFamily="18" charset="0"/>
                           </a:rPr>
-                          <m:t>+</m:t>
-                        </m:r>
-                        <m:r>
-                          <a:rPr lang="en-IN" sz="2200" b="0" i="1" smtClean="0">
-                            <a:latin typeface="Cambria Math" panose="02040503050406030204" pitchFamily="18" charset="0"/>
-                          </a:rPr>
-                          <m:t>1</m:t>
+                          <m:t>+1</m:t>
                         </m:r>
                       </m:e>
                     </m:d>
@@ -20089,7 +20104,7 @@
             </p:txBody>
           </p:sp>
         </mc:Choice>
-        <mc:Fallback>
+        <mc:Fallback xmlns="">
           <p:sp>
             <p:nvSpPr>
               <p:cNvPr id="3" name="Content Placeholder 2">
@@ -20279,8 +20294,8 @@
           </a:p>
         </p:txBody>
       </p:sp>
-      <mc:AlternateContent xmlns:mc="http://schemas.openxmlformats.org/markup-compatibility/2006">
-        <mc:Choice xmlns:a14="http://schemas.microsoft.com/office/drawing/2010/main" Requires="a14">
+      <mc:AlternateContent xmlns:mc="http://schemas.openxmlformats.org/markup-compatibility/2006" xmlns:a14="http://schemas.microsoft.com/office/drawing/2010/main">
+        <mc:Choice Requires="a14">
           <p:sp>
             <p:nvSpPr>
               <p:cNvPr id="3" name="Content Placeholder 2">
@@ -21659,7 +21674,7 @@
             </p:txBody>
           </p:sp>
         </mc:Choice>
-        <mc:Fallback>
+        <mc:Fallback xmlns="">
           <p:sp>
             <p:nvSpPr>
               <p:cNvPr id="3" name="Content Placeholder 2">
@@ -21757,8 +21772,8 @@
           </a:p>
         </p:txBody>
       </p:sp>
-      <mc:AlternateContent xmlns:mc="http://schemas.openxmlformats.org/markup-compatibility/2006">
-        <mc:Choice xmlns:a14="http://schemas.microsoft.com/office/drawing/2010/main" Requires="a14">
+      <mc:AlternateContent xmlns:mc="http://schemas.openxmlformats.org/markup-compatibility/2006" xmlns:a14="http://schemas.microsoft.com/office/drawing/2010/main">
+        <mc:Choice Requires="a14">
           <p:sp>
             <p:nvSpPr>
               <p:cNvPr id="3" name="Content Placeholder 2">
@@ -21852,7 +21867,13 @@
                             <a:rPr lang="en-IN" sz="2200" b="0" i="1" smtClean="0">
                               <a:latin typeface="Cambria Math" panose="02040503050406030204" pitchFamily="18" charset="0"/>
                             </a:rPr>
-                            <m:t>−1</m:t>
+                            <m:t>−</m:t>
+                          </m:r>
+                          <m:r>
+                            <a:rPr lang="en-IN" sz="2200" b="0" i="1" smtClean="0">
+                              <a:latin typeface="Cambria Math" panose="02040503050406030204" pitchFamily="18" charset="0"/>
+                            </a:rPr>
+                            <m:t>1</m:t>
                           </m:r>
                           <m:r>
                             <a:rPr lang="en-IN" sz="2200" i="1">
@@ -21889,7 +21910,13 @@
                             <a:rPr lang="en-IN" sz="2200" i="1">
                               <a:latin typeface="Cambria Math" panose="02040503050406030204" pitchFamily="18" charset="0"/>
                             </a:rPr>
-                            <m:t>=0</m:t>
+                            <m:t>=</m:t>
+                          </m:r>
+                          <m:r>
+                            <a:rPr lang="en-IN" sz="2200" i="1">
+                              <a:latin typeface="Cambria Math" panose="02040503050406030204" pitchFamily="18" charset="0"/>
+                            </a:rPr>
+                            <m:t>0</m:t>
                           </m:r>
                         </m:e>
                       </m:d>
@@ -21935,7 +21962,13 @@
                                 <a:rPr lang="en-IN" sz="2200" b="0" i="1" smtClean="0">
                                   <a:latin typeface="Cambria Math" panose="02040503050406030204" pitchFamily="18" charset="0"/>
                                 </a:rPr>
-                                <m:t>−1</m:t>
+                                <m:t>−</m:t>
+                              </m:r>
+                              <m:r>
+                                <a:rPr lang="en-IN" sz="2200" b="0" i="1" smtClean="0">
+                                  <a:latin typeface="Cambria Math" panose="02040503050406030204" pitchFamily="18" charset="0"/>
+                                </a:rPr>
+                                <m:t>1</m:t>
                               </m:r>
                             </m:e>
                           </m:d>
@@ -21943,7 +21976,13 @@
                             <a:rPr lang="en-IN" sz="2200" i="1">
                               <a:latin typeface="Cambria Math" panose="02040503050406030204" pitchFamily="18" charset="0"/>
                             </a:rPr>
-                            <m:t>=0</m:t>
+                            <m:t>=</m:t>
+                          </m:r>
+                          <m:r>
+                            <a:rPr lang="en-IN" sz="2200" i="1">
+                              <a:latin typeface="Cambria Math" panose="02040503050406030204" pitchFamily="18" charset="0"/>
+                            </a:rPr>
+                            <m:t>0</m:t>
                           </m:r>
                         </m:e>
                       </m:d>
@@ -22137,7 +22176,16 @@
                               </a:solidFill>
                               <a:latin typeface="Cambria Math" panose="02040503050406030204" pitchFamily="18" charset="0"/>
                             </a:rPr>
-                            <m:t>≠0</m:t>
+                            <m:t>≠</m:t>
+                          </m:r>
+                          <m:r>
+                            <a:rPr lang="en-IN" sz="2200" b="0" i="1" smtClean="0">
+                              <a:solidFill>
+                                <a:schemeClr val="tx1"/>
+                              </a:solidFill>
+                              <a:latin typeface="Cambria Math" panose="02040503050406030204" pitchFamily="18" charset="0"/>
+                            </a:rPr>
+                            <m:t>0</m:t>
                           </m:r>
                         </m:e>
                       </m:d>
@@ -22228,7 +22276,16 @@
                               </a:solidFill>
                               <a:latin typeface="Cambria Math" panose="02040503050406030204" pitchFamily="18" charset="0"/>
                             </a:rPr>
-                            <m:t>=0</m:t>
+                            <m:t>=</m:t>
+                          </m:r>
+                          <m:r>
+                            <a:rPr lang="en-IN" sz="2200" b="0" i="1" smtClean="0">
+                              <a:solidFill>
+                                <a:schemeClr val="tx1"/>
+                              </a:solidFill>
+                              <a:latin typeface="Cambria Math" panose="02040503050406030204" pitchFamily="18" charset="0"/>
+                            </a:rPr>
+                            <m:t>0</m:t>
                           </m:r>
                         </m:e>
                       </m:d>
@@ -22307,19 +22364,43 @@
                                 <a:rPr lang="en-IN" sz="2200" i="1">
                                   <a:latin typeface="Cambria Math" panose="02040503050406030204" pitchFamily="18" charset="0"/>
                                 </a:rPr>
-                                <m:t>−1∨</m:t>
+                                <m:t>−</m:t>
                               </m:r>
                               <m:r>
                                 <a:rPr lang="en-IN" sz="2200" i="1">
                                   <a:latin typeface="Cambria Math" panose="02040503050406030204" pitchFamily="18" charset="0"/>
                                 </a:rPr>
+                                <m:t>1</m:t>
+                              </m:r>
+                              <m:r>
+                                <a:rPr lang="en-IN" sz="2200" i="1">
+                                  <a:latin typeface="Cambria Math" panose="02040503050406030204" pitchFamily="18" charset="0"/>
+                                </a:rPr>
+                                <m:t>∨</m:t>
+                              </m:r>
+                              <m:r>
+                                <a:rPr lang="en-IN" sz="2200" i="1">
+                                  <a:latin typeface="Cambria Math" panose="02040503050406030204" pitchFamily="18" charset="0"/>
+                                </a:rPr>
                                 <m:t>𝑖</m:t>
                               </m:r>
                               <m:r>
                                 <a:rPr lang="en-IN" sz="2200" i="1">
                                   <a:latin typeface="Cambria Math" panose="02040503050406030204" pitchFamily="18" charset="0"/>
                                 </a:rPr>
-                                <m:t>+1≤</m:t>
+                                <m:t>+</m:t>
+                              </m:r>
+                              <m:r>
+                                <a:rPr lang="en-IN" sz="2200" i="1">
+                                  <a:latin typeface="Cambria Math" panose="02040503050406030204" pitchFamily="18" charset="0"/>
+                                </a:rPr>
+                                <m:t>1</m:t>
+                              </m:r>
+                              <m:r>
+                                <a:rPr lang="en-IN" sz="2200" i="1">
+                                  <a:latin typeface="Cambria Math" panose="02040503050406030204" pitchFamily="18" charset="0"/>
+                                </a:rPr>
+                                <m:t>≤</m:t>
                               </m:r>
                               <m:r>
                                 <a:rPr lang="en-IN" sz="2200" b="0" i="1" smtClean="0">
@@ -22493,7 +22574,13 @@
                                 <a:rPr lang="en-IN" sz="2200" b="0" i="1" smtClean="0">
                                   <a:latin typeface="Cambria Math" panose="02040503050406030204" pitchFamily="18" charset="0"/>
                                 </a:rPr>
-                                <m:t>−1</m:t>
+                                <m:t>−</m:t>
+                              </m:r>
+                              <m:r>
+                                <a:rPr lang="en-IN" sz="2200" b="0" i="1" smtClean="0">
+                                  <a:latin typeface="Cambria Math" panose="02040503050406030204" pitchFamily="18" charset="0"/>
+                                </a:rPr>
+                                <m:t>1</m:t>
                               </m:r>
                             </m:e>
                           </m:d>
@@ -22530,7 +22617,13 @@
                                 <a:rPr lang="en-IN" sz="2200" b="0" i="1" smtClean="0">
                                   <a:latin typeface="Cambria Math" panose="02040503050406030204" pitchFamily="18" charset="0"/>
                                 </a:rPr>
-                                <m:t>−1</m:t>
+                                <m:t>−</m:t>
+                              </m:r>
+                              <m:r>
+                                <a:rPr lang="en-IN" sz="2200" b="0" i="1" smtClean="0">
+                                  <a:latin typeface="Cambria Math" panose="02040503050406030204" pitchFamily="18" charset="0"/>
+                                </a:rPr>
+                                <m:t>1</m:t>
                               </m:r>
                             </m:e>
                           </m:d>
@@ -22661,7 +22754,13 @@
                             <a:rPr lang="en-IN" sz="2200" b="0" i="1" smtClean="0">
                               <a:latin typeface="Cambria Math" panose="02040503050406030204" pitchFamily="18" charset="0"/>
                             </a:rPr>
-                            <m:t>+1</m:t>
+                            <m:t>+</m:t>
+                          </m:r>
+                          <m:r>
+                            <a:rPr lang="en-IN" sz="2200" b="0" i="1" smtClean="0">
+                              <a:latin typeface="Cambria Math" panose="02040503050406030204" pitchFamily="18" charset="0"/>
+                            </a:rPr>
+                            <m:t>1</m:t>
                           </m:r>
                         </m:e>
                       </m:d>
@@ -22698,7 +22797,13 @@
                             <a:rPr lang="en-IN" sz="2200" b="0" i="1" smtClean="0">
                               <a:latin typeface="Cambria Math" panose="02040503050406030204" pitchFamily="18" charset="0"/>
                             </a:rPr>
-                            <m:t>+1</m:t>
+                            <m:t>+</m:t>
+                          </m:r>
+                          <m:r>
+                            <a:rPr lang="en-IN" sz="2200" b="0" i="1" smtClean="0">
+                              <a:latin typeface="Cambria Math" panose="02040503050406030204" pitchFamily="18" charset="0"/>
+                            </a:rPr>
+                            <m:t>1</m:t>
                           </m:r>
                         </m:e>
                       </m:d>
@@ -22740,7 +22845,7 @@
             </p:txBody>
           </p:sp>
         </mc:Choice>
-        <mc:Fallback>
+        <mc:Fallback xmlns="">
           <p:sp>
             <p:nvSpPr>
               <p:cNvPr id="3" name="Content Placeholder 2">
@@ -22838,8 +22943,8 @@
           </a:p>
         </p:txBody>
       </p:sp>
-      <mc:AlternateContent xmlns:mc="http://schemas.openxmlformats.org/markup-compatibility/2006">
-        <mc:Choice xmlns:a14="http://schemas.microsoft.com/office/drawing/2010/main" Requires="a14">
+      <mc:AlternateContent xmlns:mc="http://schemas.openxmlformats.org/markup-compatibility/2006" xmlns:a14="http://schemas.microsoft.com/office/drawing/2010/main">
+        <mc:Choice Requires="a14">
           <p:sp>
             <p:nvSpPr>
               <p:cNvPr id="3" name="Content Placeholder 2">
@@ -23937,7 +24042,7 @@
             </p:txBody>
           </p:sp>
         </mc:Choice>
-        <mc:Fallback>
+        <mc:Fallback xmlns="">
           <p:sp>
             <p:nvSpPr>
               <p:cNvPr id="3" name="Content Placeholder 2">
@@ -31338,12 +31443,18 @@
                       </m:r>
                       <m:r>
                         <a:rPr lang="en-IN" b="0" i="1" smtClean="0">
+                          <a:solidFill>
+                            <a:schemeClr val="accent1"/>
+                          </a:solidFill>
                           <a:latin typeface="Cambria Math" panose="02040503050406030204" pitchFamily="18" charset="0"/>
                         </a:rPr>
                         <m:t>𝑖</m:t>
                       </m:r>
                       <m:r>
                         <a:rPr lang="en-IN" b="0" i="1" smtClean="0">
+                          <a:solidFill>
+                            <a:schemeClr val="accent1"/>
+                          </a:solidFill>
                           <a:latin typeface="Cambria Math" panose="02040503050406030204" pitchFamily="18" charset="0"/>
                         </a:rPr>
                         <m:t>. </m:t>
@@ -31352,6 +31463,9 @@
                         <m:sSubPr>
                           <m:ctrlPr>
                             <a:rPr lang="en-IN" b="0" i="1" smtClean="0">
+                              <a:solidFill>
+                                <a:schemeClr val="accent1"/>
+                              </a:solidFill>
                               <a:latin typeface="Cambria Math" panose="02040503050406030204" pitchFamily="18" charset="0"/>
                             </a:rPr>
                           </m:ctrlPr>
@@ -31359,6 +31473,9 @@
                         <m:e>
                           <m:r>
                             <a:rPr lang="en-IN" b="0" i="1" smtClean="0">
+                              <a:solidFill>
+                                <a:schemeClr val="accent1"/>
+                              </a:solidFill>
                               <a:latin typeface="Cambria Math" panose="02040503050406030204" pitchFamily="18" charset="0"/>
                             </a:rPr>
                             <m:t>𝜙</m:t>
@@ -31367,6 +31484,9 @@
                         <m:sub>
                           <m:r>
                             <a:rPr lang="en-IN" b="0" i="1" smtClean="0">
+                              <a:solidFill>
+                                <a:schemeClr val="accent1"/>
+                              </a:solidFill>
                               <a:latin typeface="Cambria Math" panose="02040503050406030204" pitchFamily="18" charset="0"/>
                             </a:rPr>
                             <m:t>𝐼</m:t>
@@ -31377,6 +31497,9 @@
                         <m:dPr>
                           <m:ctrlPr>
                             <a:rPr lang="en-IN" b="0" i="1" smtClean="0">
+                              <a:solidFill>
+                                <a:schemeClr val="accent1"/>
+                              </a:solidFill>
                               <a:latin typeface="Cambria Math" panose="02040503050406030204" pitchFamily="18" charset="0"/>
                             </a:rPr>
                           </m:ctrlPr>
@@ -31384,6 +31507,9 @@
                         <m:e>
                           <m:r>
                             <a:rPr lang="en-IN" b="0" i="1" smtClean="0">
+                              <a:solidFill>
+                                <a:schemeClr val="accent1"/>
+                              </a:solidFill>
                               <a:latin typeface="Cambria Math" panose="02040503050406030204" pitchFamily="18" charset="0"/>
                             </a:rPr>
                             <m:t>𝑖</m:t>
@@ -31392,6 +31518,9 @@
                       </m:d>
                       <m:r>
                         <a:rPr lang="en-IN" b="0" i="1" smtClean="0">
+                          <a:solidFill>
+                            <a:schemeClr val="accent1"/>
+                          </a:solidFill>
                           <a:latin typeface="Cambria Math" panose="02040503050406030204" pitchFamily="18" charset="0"/>
                         </a:rPr>
                         <m:t>→</m:t>
@@ -31400,6 +31529,9 @@
                         <m:sSubPr>
                           <m:ctrlPr>
                             <a:rPr lang="en-IN" b="0" i="1" smtClean="0">
+                              <a:solidFill>
+                                <a:schemeClr val="accent1"/>
+                              </a:solidFill>
                               <a:latin typeface="Cambria Math" panose="02040503050406030204" pitchFamily="18" charset="0"/>
                             </a:rPr>
                           </m:ctrlPr>
@@ -31407,6 +31539,9 @@
                         <m:e>
                           <m:r>
                             <a:rPr lang="en-IN" b="0" i="1" smtClean="0">
+                              <a:solidFill>
+                                <a:schemeClr val="accent1"/>
+                              </a:solidFill>
                               <a:latin typeface="Cambria Math" panose="02040503050406030204" pitchFamily="18" charset="0"/>
                             </a:rPr>
                             <m:t>𝜙</m:t>
@@ -31415,6 +31550,9 @@
                         <m:sub>
                           <m:r>
                             <a:rPr lang="en-IN" b="0" i="1" smtClean="0">
+                              <a:solidFill>
+                                <a:schemeClr val="accent1"/>
+                              </a:solidFill>
                               <a:latin typeface="Cambria Math" panose="02040503050406030204" pitchFamily="18" charset="0"/>
                             </a:rPr>
                             <m:t>𝐼</m:t>
@@ -31425,6 +31563,9 @@
                         <m:dPr>
                           <m:ctrlPr>
                             <a:rPr lang="en-IN" b="0" i="1" smtClean="0">
+                              <a:solidFill>
+                                <a:schemeClr val="accent1"/>
+                              </a:solidFill>
                               <a:latin typeface="Cambria Math" panose="02040503050406030204" pitchFamily="18" charset="0"/>
                             </a:rPr>
                           </m:ctrlPr>
@@ -31432,6 +31573,9 @@
                         <m:e>
                           <m:r>
                             <a:rPr lang="en-IN" b="0" i="1" smtClean="0">
+                              <a:solidFill>
+                                <a:schemeClr val="accent1"/>
+                              </a:solidFill>
                               <a:latin typeface="Cambria Math" panose="02040503050406030204" pitchFamily="18" charset="0"/>
                             </a:rPr>
                             <m:t>𝑝𝑟𝑜𝑗</m:t>
@@ -31440,6 +31584,9 @@
                             <m:dPr>
                               <m:ctrlPr>
                                 <a:rPr lang="en-IN" b="0" i="1" smtClean="0">
+                                  <a:solidFill>
+                                    <a:schemeClr val="accent1"/>
+                                  </a:solidFill>
                                   <a:latin typeface="Cambria Math" panose="02040503050406030204" pitchFamily="18" charset="0"/>
                                 </a:rPr>
                               </m:ctrlPr>
@@ -31447,6 +31594,9 @@
                             <m:e>
                               <m:r>
                                 <a:rPr lang="en-IN" b="0" i="1" smtClean="0">
+                                  <a:solidFill>
+                                    <a:schemeClr val="accent1"/>
+                                  </a:solidFill>
                                   <a:latin typeface="Cambria Math" panose="02040503050406030204" pitchFamily="18" charset="0"/>
                                 </a:rPr>
                                 <m:t>𝑖</m:t>
@@ -31591,18 +31741,27 @@
                   <m:oMath xmlns:m="http://schemas.openxmlformats.org/officeDocument/2006/math">
                     <m:r>
                       <a:rPr lang="en-IN" b="0" i="1" smtClean="0">
+                        <a:solidFill>
+                          <a:schemeClr val="accent1"/>
+                        </a:solidFill>
                         <a:latin typeface="Cambria Math" panose="02040503050406030204" pitchFamily="18" charset="0"/>
                       </a:rPr>
                       <m:t>∀</m:t>
                     </m:r>
                     <m:r>
                       <a:rPr lang="en-IN" b="0" i="1" smtClean="0">
+                        <a:solidFill>
+                          <a:schemeClr val="accent1"/>
+                        </a:solidFill>
                         <a:latin typeface="Cambria Math" panose="02040503050406030204" pitchFamily="18" charset="0"/>
                       </a:rPr>
                       <m:t>𝑖</m:t>
                     </m:r>
                     <m:r>
                       <a:rPr lang="en-IN" b="0" i="1" smtClean="0">
+                        <a:solidFill>
+                          <a:schemeClr val="accent1"/>
+                        </a:solidFill>
                         <a:latin typeface="Cambria Math" panose="02040503050406030204" pitchFamily="18" charset="0"/>
                       </a:rPr>
                       <m:t>. </m:t>
@@ -31611,6 +31770,9 @@
                       <m:sSubPr>
                         <m:ctrlPr>
                           <a:rPr lang="en-IN" b="0" i="1" smtClean="0">
+                            <a:solidFill>
+                              <a:schemeClr val="accent1"/>
+                            </a:solidFill>
                             <a:latin typeface="Cambria Math" panose="02040503050406030204" pitchFamily="18" charset="0"/>
                           </a:rPr>
                         </m:ctrlPr>
@@ -31618,6 +31780,9 @@
                       <m:e>
                         <m:r>
                           <a:rPr lang="en-IN" b="0" i="1" smtClean="0">
+                            <a:solidFill>
+                              <a:schemeClr val="accent1"/>
+                            </a:solidFill>
                             <a:latin typeface="Cambria Math" panose="02040503050406030204" pitchFamily="18" charset="0"/>
                           </a:rPr>
                           <m:t>𝜙</m:t>
@@ -31626,6 +31791,9 @@
                       <m:sub>
                         <m:r>
                           <a:rPr lang="en-IN" b="0" i="1" smtClean="0">
+                            <a:solidFill>
+                              <a:schemeClr val="accent1"/>
+                            </a:solidFill>
                             <a:latin typeface="Cambria Math" panose="02040503050406030204" pitchFamily="18" charset="0"/>
                           </a:rPr>
                           <m:t>𝐼</m:t>
@@ -31636,6 +31804,9 @@
                       <m:dPr>
                         <m:ctrlPr>
                           <a:rPr lang="en-IN" b="0" i="1" smtClean="0">
+                            <a:solidFill>
+                              <a:schemeClr val="accent1"/>
+                            </a:solidFill>
                             <a:latin typeface="Cambria Math" panose="02040503050406030204" pitchFamily="18" charset="0"/>
                           </a:rPr>
                         </m:ctrlPr>
@@ -31643,6 +31814,9 @@
                       <m:e>
                         <m:r>
                           <a:rPr lang="en-IN" b="0" i="1" smtClean="0">
+                            <a:solidFill>
+                              <a:schemeClr val="accent1"/>
+                            </a:solidFill>
                             <a:latin typeface="Cambria Math" panose="02040503050406030204" pitchFamily="18" charset="0"/>
                           </a:rPr>
                           <m:t>𝑖</m:t>
@@ -31651,6 +31825,9 @@
                     </m:d>
                     <m:r>
                       <a:rPr lang="en-IN" b="0" i="1" smtClean="0">
+                        <a:solidFill>
+                          <a:schemeClr val="accent1"/>
+                        </a:solidFill>
                         <a:latin typeface="Cambria Math" panose="02040503050406030204" pitchFamily="18" charset="0"/>
                       </a:rPr>
                       <m:t>→</m:t>
@@ -31659,6 +31836,9 @@
                       <m:sSubPr>
                         <m:ctrlPr>
                           <a:rPr lang="en-IN" b="0" i="1" smtClean="0">
+                            <a:solidFill>
+                              <a:schemeClr val="accent1"/>
+                            </a:solidFill>
                             <a:latin typeface="Cambria Math" panose="02040503050406030204" pitchFamily="18" charset="0"/>
                           </a:rPr>
                         </m:ctrlPr>
@@ -31666,6 +31846,9 @@
                       <m:e>
                         <m:r>
                           <a:rPr lang="en-IN" b="0" i="1" smtClean="0">
+                            <a:solidFill>
+                              <a:schemeClr val="accent1"/>
+                            </a:solidFill>
                             <a:latin typeface="Cambria Math" panose="02040503050406030204" pitchFamily="18" charset="0"/>
                           </a:rPr>
                           <m:t>𝜙</m:t>
@@ -31674,6 +31857,9 @@
                       <m:sub>
                         <m:r>
                           <a:rPr lang="en-IN" b="0" i="1" smtClean="0">
+                            <a:solidFill>
+                              <a:schemeClr val="accent1"/>
+                            </a:solidFill>
                             <a:latin typeface="Cambria Math" panose="02040503050406030204" pitchFamily="18" charset="0"/>
                           </a:rPr>
                           <m:t>𝐼</m:t>
@@ -31682,30 +31868,45 @@
                     </m:sSub>
                     <m:r>
                       <a:rPr lang="en-IN" b="0" i="1" smtClean="0">
+                        <a:solidFill>
+                          <a:schemeClr val="accent1"/>
+                        </a:solidFill>
                         <a:latin typeface="Cambria Math" panose="02040503050406030204" pitchFamily="18" charset="0"/>
                       </a:rPr>
                       <m:t>(</m:t>
                     </m:r>
                     <m:r>
                       <a:rPr lang="en-IN" b="0" i="1" smtClean="0">
+                        <a:solidFill>
+                          <a:schemeClr val="accent1"/>
+                        </a:solidFill>
                         <a:latin typeface="Cambria Math" panose="02040503050406030204" pitchFamily="18" charset="0"/>
                       </a:rPr>
                       <m:t>𝑝𝑟𝑜𝑗</m:t>
                     </m:r>
                     <m:r>
                       <a:rPr lang="en-IN" b="0" i="1" smtClean="0">
+                        <a:solidFill>
+                          <a:schemeClr val="accent1"/>
+                        </a:solidFill>
                         <a:latin typeface="Cambria Math" panose="02040503050406030204" pitchFamily="18" charset="0"/>
                       </a:rPr>
                       <m:t>(</m:t>
                     </m:r>
                     <m:r>
                       <a:rPr lang="en-IN" b="0" i="1" smtClean="0">
+                        <a:solidFill>
+                          <a:schemeClr val="accent1"/>
+                        </a:solidFill>
                         <a:latin typeface="Cambria Math" panose="02040503050406030204" pitchFamily="18" charset="0"/>
                       </a:rPr>
                       <m:t>𝑖</m:t>
                     </m:r>
                     <m:r>
                       <a:rPr lang="en-IN" b="0" i="1" smtClean="0">
+                        <a:solidFill>
+                          <a:schemeClr val="accent1"/>
+                        </a:solidFill>
                         <a:latin typeface="Cambria Math" panose="02040503050406030204" pitchFamily="18" charset="0"/>
                       </a:rPr>
                       <m:t>))</m:t>
@@ -31713,8 +31914,16 @@
                   </m:oMath>
                 </a14:m>
                 <a:r>
+                  <a:rPr lang="en-IN" dirty="0">
+                    <a:solidFill>
+                      <a:schemeClr val="accent1"/>
+                    </a:solidFill>
+                  </a:rPr>
+                  <a:t> </a:t>
+                </a:r>
+                <a:r>
                   <a:rPr lang="en-IN" dirty="0"/>
-                  <a:t> holds because the only equalities allowed in the index guard are </a:t>
+                  <a:t>holds because the only equalities allowed in the index guard are </a:t>
                 </a:r>
                 <a14:m>
                   <m:oMath xmlns:m="http://schemas.openxmlformats.org/officeDocument/2006/math">
@@ -32067,8 +32276,8 @@
           </a:p>
         </p:txBody>
       </p:sp>
-      <mc:AlternateContent xmlns:mc="http://schemas.openxmlformats.org/markup-compatibility/2006" xmlns:a14="http://schemas.microsoft.com/office/drawing/2010/main">
-        <mc:Choice Requires="a14">
+      <mc:AlternateContent xmlns:mc="http://schemas.openxmlformats.org/markup-compatibility/2006">
+        <mc:Choice xmlns:a14="http://schemas.microsoft.com/office/drawing/2010/main" Requires="a14">
           <p:sp>
             <p:nvSpPr>
               <p:cNvPr id="3" name="Content Placeholder 2">
@@ -32198,6 +32407,9 @@
                         <m:sSubPr>
                           <m:ctrlPr>
                             <a:rPr lang="en-IN" b="0" i="1" smtClean="0">
+                              <a:solidFill>
+                                <a:schemeClr val="accent1"/>
+                              </a:solidFill>
                               <a:latin typeface="Cambria Math" panose="02040503050406030204" pitchFamily="18" charset="0"/>
                             </a:rPr>
                           </m:ctrlPr>
@@ -32205,6 +32417,9 @@
                         <m:e>
                           <m:r>
                             <a:rPr lang="en-IN" b="0" i="1" smtClean="0">
+                              <a:solidFill>
+                                <a:schemeClr val="accent1"/>
+                              </a:solidFill>
                               <a:latin typeface="Cambria Math" panose="02040503050406030204" pitchFamily="18" charset="0"/>
                             </a:rPr>
                             <m:t>𝜙</m:t>
@@ -32213,6 +32428,9 @@
                         <m:sub>
                           <m:r>
                             <a:rPr lang="en-IN" b="0" i="1" smtClean="0">
+                              <a:solidFill>
+                                <a:schemeClr val="accent1"/>
+                              </a:solidFill>
                               <a:latin typeface="Cambria Math" panose="02040503050406030204" pitchFamily="18" charset="0"/>
                             </a:rPr>
                             <m:t>𝐼</m:t>
@@ -32223,6 +32441,9 @@
                         <m:dPr>
                           <m:ctrlPr>
                             <a:rPr lang="en-IN" b="0" i="1" smtClean="0">
+                              <a:solidFill>
+                                <a:schemeClr val="accent1"/>
+                              </a:solidFill>
                               <a:latin typeface="Cambria Math" panose="02040503050406030204" pitchFamily="18" charset="0"/>
                             </a:rPr>
                           </m:ctrlPr>
@@ -32230,6 +32451,9 @@
                         <m:e>
                           <m:r>
                             <a:rPr lang="en-IN" b="0" i="1" smtClean="0">
+                              <a:solidFill>
+                                <a:schemeClr val="accent1"/>
+                              </a:solidFill>
                               <a:latin typeface="Cambria Math" panose="02040503050406030204" pitchFamily="18" charset="0"/>
                             </a:rPr>
                             <m:t>𝑝𝑟𝑜𝑗</m:t>
@@ -32238,6 +32462,9 @@
                             <m:dPr>
                               <m:ctrlPr>
                                 <a:rPr lang="en-IN" b="0" i="1" smtClean="0">
+                                  <a:solidFill>
+                                    <a:schemeClr val="accent1"/>
+                                  </a:solidFill>
                                   <a:latin typeface="Cambria Math" panose="02040503050406030204" pitchFamily="18" charset="0"/>
                                 </a:rPr>
                               </m:ctrlPr>
@@ -32245,6 +32472,9 @@
                             <m:e>
                               <m:r>
                                 <a:rPr lang="en-IN" b="0" i="1" smtClean="0">
+                                  <a:solidFill>
+                                    <a:schemeClr val="accent1"/>
+                                  </a:solidFill>
                                   <a:latin typeface="Cambria Math" panose="02040503050406030204" pitchFamily="18" charset="0"/>
                                 </a:rPr>
                                 <m:t>𝑖</m:t>
@@ -32255,6 +32485,9 @@
                       </m:d>
                       <m:r>
                         <a:rPr lang="en-IN" b="0" i="1" smtClean="0">
+                          <a:solidFill>
+                            <a:schemeClr val="accent1"/>
+                          </a:solidFill>
                           <a:latin typeface="Cambria Math" panose="02040503050406030204" pitchFamily="18" charset="0"/>
                         </a:rPr>
                         <m:t>→</m:t>
@@ -32263,6 +32496,9 @@
                         <m:sSubPr>
                           <m:ctrlPr>
                             <a:rPr lang="en-IN" b="0" i="1" smtClean="0">
+                              <a:solidFill>
+                                <a:schemeClr val="accent1"/>
+                              </a:solidFill>
                               <a:latin typeface="Cambria Math" panose="02040503050406030204" pitchFamily="18" charset="0"/>
                             </a:rPr>
                           </m:ctrlPr>
@@ -32270,6 +32506,9 @@
                         <m:e>
                           <m:r>
                             <a:rPr lang="en-IN" b="0" i="1" smtClean="0">
+                              <a:solidFill>
+                                <a:schemeClr val="accent1"/>
+                              </a:solidFill>
                               <a:latin typeface="Cambria Math" panose="02040503050406030204" pitchFamily="18" charset="0"/>
                             </a:rPr>
                             <m:t>𝜙</m:t>
@@ -32278,6 +32517,9 @@
                         <m:sub>
                           <m:r>
                             <a:rPr lang="en-IN" b="0" i="1" smtClean="0">
+                              <a:solidFill>
+                                <a:schemeClr val="accent1"/>
+                              </a:solidFill>
                               <a:latin typeface="Cambria Math" panose="02040503050406030204" pitchFamily="18" charset="0"/>
                             </a:rPr>
                             <m:t>𝑉</m:t>
@@ -32288,6 +32530,9 @@
                         <m:dPr>
                           <m:ctrlPr>
                             <a:rPr lang="en-IN" b="0" i="1" smtClean="0">
+                              <a:solidFill>
+                                <a:schemeClr val="accent1"/>
+                              </a:solidFill>
                               <a:latin typeface="Cambria Math" panose="02040503050406030204" pitchFamily="18" charset="0"/>
                             </a:rPr>
                           </m:ctrlPr>
@@ -32295,6 +32540,9 @@
                         <m:e>
                           <m:r>
                             <a:rPr lang="en-IN" b="0" i="1" smtClean="0">
+                              <a:solidFill>
+                                <a:schemeClr val="accent1"/>
+                              </a:solidFill>
                               <a:latin typeface="Cambria Math" panose="02040503050406030204" pitchFamily="18" charset="0"/>
                             </a:rPr>
                             <m:t>𝑝𝑟𝑜𝑗</m:t>
@@ -32303,6 +32551,9 @@
                             <m:dPr>
                               <m:ctrlPr>
                                 <a:rPr lang="en-IN" b="0" i="1" smtClean="0">
+                                  <a:solidFill>
+                                    <a:schemeClr val="accent1"/>
+                                  </a:solidFill>
                                   <a:latin typeface="Cambria Math" panose="02040503050406030204" pitchFamily="18" charset="0"/>
                                 </a:rPr>
                               </m:ctrlPr>
@@ -32310,6 +32561,9 @@
                             <m:e>
                               <m:r>
                                 <a:rPr lang="en-IN" b="0" i="1" smtClean="0">
+                                  <a:solidFill>
+                                    <a:schemeClr val="accent1"/>
+                                  </a:solidFill>
                                   <a:latin typeface="Cambria Math" panose="02040503050406030204" pitchFamily="18" charset="0"/>
                                 </a:rPr>
                                 <m:t>𝑖</m:t>
@@ -32380,24 +32634,36 @@
               </a:p>
               <a:p>
                 <a:pPr marL="0" indent="0">
+                  <a:lnSpc>
+                    <a:spcPct val="100000"/>
+                  </a:lnSpc>
                   <a:buNone/>
                 </a:pPr>
                 <a14:m>
                   <m:oMath xmlns:m="http://schemas.openxmlformats.org/officeDocument/2006/math">
                     <m:r>
                       <a:rPr lang="en-IN" b="0" i="1" smtClean="0">
+                        <a:solidFill>
+                          <a:schemeClr val="accent1"/>
+                        </a:solidFill>
                         <a:latin typeface="Cambria Math" panose="02040503050406030204" pitchFamily="18" charset="0"/>
                       </a:rPr>
                       <m:t>∀</m:t>
                     </m:r>
                     <m:r>
                       <a:rPr lang="en-IN" b="0" i="1" smtClean="0">
+                        <a:solidFill>
+                          <a:schemeClr val="accent1"/>
+                        </a:solidFill>
                         <a:latin typeface="Cambria Math" panose="02040503050406030204" pitchFamily="18" charset="0"/>
                       </a:rPr>
                       <m:t>𝑖</m:t>
                     </m:r>
                     <m:r>
                       <a:rPr lang="en-IN" b="0" i="1" smtClean="0">
+                        <a:solidFill>
+                          <a:schemeClr val="accent1"/>
+                        </a:solidFill>
                         <a:latin typeface="Cambria Math" panose="02040503050406030204" pitchFamily="18" charset="0"/>
                       </a:rPr>
                       <m:t>.</m:t>
@@ -32406,6 +32672,9 @@
                       <m:sSubPr>
                         <m:ctrlPr>
                           <a:rPr lang="en-IN" i="1">
+                            <a:solidFill>
+                              <a:schemeClr val="accent1"/>
+                            </a:solidFill>
                             <a:latin typeface="Cambria Math" panose="02040503050406030204" pitchFamily="18" charset="0"/>
                           </a:rPr>
                         </m:ctrlPr>
@@ -32413,6 +32682,9 @@
                       <m:e>
                         <m:r>
                           <a:rPr lang="en-IN" i="1">
+                            <a:solidFill>
+                              <a:schemeClr val="accent1"/>
+                            </a:solidFill>
                             <a:latin typeface="Cambria Math" panose="02040503050406030204" pitchFamily="18" charset="0"/>
                           </a:rPr>
                           <m:t>𝜙</m:t>
@@ -32421,6 +32693,9 @@
                       <m:sub>
                         <m:r>
                           <a:rPr lang="en-IN" i="1">
+                            <a:solidFill>
+                              <a:schemeClr val="accent1"/>
+                            </a:solidFill>
                             <a:latin typeface="Cambria Math" panose="02040503050406030204" pitchFamily="18" charset="0"/>
                           </a:rPr>
                           <m:t>𝐼</m:t>
@@ -32431,6 +32706,9 @@
                       <m:dPr>
                         <m:ctrlPr>
                           <a:rPr lang="en-IN" i="1">
+                            <a:solidFill>
+                              <a:schemeClr val="accent1"/>
+                            </a:solidFill>
                             <a:latin typeface="Cambria Math" panose="02040503050406030204" pitchFamily="18" charset="0"/>
                           </a:rPr>
                         </m:ctrlPr>
@@ -32438,6 +32716,9 @@
                       <m:e>
                         <m:r>
                           <a:rPr lang="en-IN" i="1">
+                            <a:solidFill>
+                              <a:schemeClr val="accent1"/>
+                            </a:solidFill>
                             <a:latin typeface="Cambria Math" panose="02040503050406030204" pitchFamily="18" charset="0"/>
                           </a:rPr>
                           <m:t>𝑝𝑟𝑜𝑗</m:t>
@@ -32446,6 +32727,9 @@
                           <m:dPr>
                             <m:ctrlPr>
                               <a:rPr lang="en-IN" i="1">
+                                <a:solidFill>
+                                  <a:schemeClr val="accent1"/>
+                                </a:solidFill>
                                 <a:latin typeface="Cambria Math" panose="02040503050406030204" pitchFamily="18" charset="0"/>
                               </a:rPr>
                             </m:ctrlPr>
@@ -32453,6 +32737,9 @@
                           <m:e>
                             <m:r>
                               <a:rPr lang="en-IN" i="1">
+                                <a:solidFill>
+                                  <a:schemeClr val="accent1"/>
+                                </a:solidFill>
                                 <a:latin typeface="Cambria Math" panose="02040503050406030204" pitchFamily="18" charset="0"/>
                               </a:rPr>
                               <m:t>𝑖</m:t>
@@ -32463,6 +32750,9 @@
                     </m:d>
                     <m:r>
                       <a:rPr lang="en-IN" i="1">
+                        <a:solidFill>
+                          <a:schemeClr val="accent1"/>
+                        </a:solidFill>
                         <a:latin typeface="Cambria Math" panose="02040503050406030204" pitchFamily="18" charset="0"/>
                       </a:rPr>
                       <m:t>→</m:t>
@@ -32471,6 +32761,9 @@
                       <m:sSubPr>
                         <m:ctrlPr>
                           <a:rPr lang="en-IN" i="1">
+                            <a:solidFill>
+                              <a:schemeClr val="accent1"/>
+                            </a:solidFill>
                             <a:latin typeface="Cambria Math" panose="02040503050406030204" pitchFamily="18" charset="0"/>
                           </a:rPr>
                         </m:ctrlPr>
@@ -32478,6 +32771,9 @@
                       <m:e>
                         <m:r>
                           <a:rPr lang="en-IN" i="1">
+                            <a:solidFill>
+                              <a:schemeClr val="accent1"/>
+                            </a:solidFill>
                             <a:latin typeface="Cambria Math" panose="02040503050406030204" pitchFamily="18" charset="0"/>
                           </a:rPr>
                           <m:t>𝜙</m:t>
@@ -32486,6 +32782,9 @@
                       <m:sub>
                         <m:r>
                           <a:rPr lang="en-IN" i="1">
+                            <a:solidFill>
+                              <a:schemeClr val="accent1"/>
+                            </a:solidFill>
                             <a:latin typeface="Cambria Math" panose="02040503050406030204" pitchFamily="18" charset="0"/>
                           </a:rPr>
                           <m:t>𝑉</m:t>
@@ -32496,6 +32795,9 @@
                       <m:dPr>
                         <m:ctrlPr>
                           <a:rPr lang="en-IN" i="1">
+                            <a:solidFill>
+                              <a:schemeClr val="accent1"/>
+                            </a:solidFill>
                             <a:latin typeface="Cambria Math" panose="02040503050406030204" pitchFamily="18" charset="0"/>
                           </a:rPr>
                         </m:ctrlPr>
@@ -32503,6 +32805,9 @@
                       <m:e>
                         <m:r>
                           <a:rPr lang="en-IN" i="1">
+                            <a:solidFill>
+                              <a:schemeClr val="accent1"/>
+                            </a:solidFill>
                             <a:latin typeface="Cambria Math" panose="02040503050406030204" pitchFamily="18" charset="0"/>
                           </a:rPr>
                           <m:t>𝑝𝑟𝑜𝑗</m:t>
@@ -32511,6 +32816,9 @@
                           <m:dPr>
                             <m:ctrlPr>
                               <a:rPr lang="en-IN" i="1">
+                                <a:solidFill>
+                                  <a:schemeClr val="accent1"/>
+                                </a:solidFill>
                                 <a:latin typeface="Cambria Math" panose="02040503050406030204" pitchFamily="18" charset="0"/>
                               </a:rPr>
                             </m:ctrlPr>
@@ -32518,6 +32826,9 @@
                           <m:e>
                             <m:r>
                               <a:rPr lang="en-IN" i="1">
+                                <a:solidFill>
+                                  <a:schemeClr val="accent1"/>
+                                </a:solidFill>
                                 <a:latin typeface="Cambria Math" panose="02040503050406030204" pitchFamily="18" charset="0"/>
                               </a:rPr>
                               <m:t>𝑗</m:t>
@@ -32529,8 +32840,16 @@
                   </m:oMath>
                 </a14:m>
                 <a:r>
+                  <a:rPr lang="en-IN" dirty="0">
+                    <a:solidFill>
+                      <a:schemeClr val="accent1"/>
+                    </a:solidFill>
+                  </a:rPr>
+                  <a:t> </a:t>
+                </a:r>
+                <a:r>
                   <a:rPr lang="en-IN" dirty="0"/>
-                  <a:t> is also true because </a:t>
+                  <a:t>is also true because </a:t>
                 </a:r>
                 <a14:m>
                   <m:oMath xmlns:m="http://schemas.openxmlformats.org/officeDocument/2006/math">
@@ -32583,7 +32902,7 @@
             </p:txBody>
           </p:sp>
         </mc:Choice>
-        <mc:Fallback xmlns="">
+        <mc:Fallback>
           <p:sp>
             <p:nvSpPr>
               <p:cNvPr id="3" name="Content Placeholder 2">
@@ -32681,8 +33000,8 @@
           </a:p>
         </p:txBody>
       </p:sp>
-      <mc:AlternateContent xmlns:mc="http://schemas.openxmlformats.org/markup-compatibility/2006" xmlns:a14="http://schemas.microsoft.com/office/drawing/2010/main">
-        <mc:Choice Requires="a14">
+      <mc:AlternateContent xmlns:mc="http://schemas.openxmlformats.org/markup-compatibility/2006">
+        <mc:Choice xmlns:a14="http://schemas.microsoft.com/office/drawing/2010/main" Requires="a14">
           <p:sp>
             <p:nvSpPr>
               <p:cNvPr id="3" name="Content Placeholder 2">
@@ -32702,7 +33021,7 @@
             <p:spPr/>
             <p:txBody>
               <a:bodyPr>
-                <a:normAutofit/>
+                <a:normAutofit fontScale="92500"/>
               </a:bodyPr>
               <a:lstStyle/>
               <a:p>
@@ -32879,6 +33198,9 @@
                         <m:sSubPr>
                           <m:ctrlPr>
                             <a:rPr lang="en-IN" b="0" i="1" smtClean="0">
+                              <a:solidFill>
+                                <a:schemeClr val="accent1"/>
+                              </a:solidFill>
                               <a:latin typeface="Cambria Math" panose="02040503050406030204" pitchFamily="18" charset="0"/>
                             </a:rPr>
                           </m:ctrlPr>
@@ -32886,6 +33208,9 @@
                         <m:e>
                           <m:r>
                             <a:rPr lang="en-IN" b="0" i="1" smtClean="0">
+                              <a:solidFill>
+                                <a:schemeClr val="accent1"/>
+                              </a:solidFill>
                               <a:latin typeface="Cambria Math" panose="02040503050406030204" pitchFamily="18" charset="0"/>
                             </a:rPr>
                             <m:t>𝜙</m:t>
@@ -32894,6 +33219,9 @@
                         <m:sub>
                           <m:r>
                             <a:rPr lang="en-IN" b="0" i="1" smtClean="0">
+                              <a:solidFill>
+                                <a:schemeClr val="accent1"/>
+                              </a:solidFill>
                               <a:latin typeface="Cambria Math" panose="02040503050406030204" pitchFamily="18" charset="0"/>
                             </a:rPr>
                             <m:t>𝑉</m:t>
@@ -32904,6 +33232,9 @@
                         <m:dPr>
                           <m:ctrlPr>
                             <a:rPr lang="en-IN" b="0" i="1" smtClean="0">
+                              <a:solidFill>
+                                <a:schemeClr val="accent1"/>
+                              </a:solidFill>
                               <a:latin typeface="Cambria Math" panose="02040503050406030204" pitchFamily="18" charset="0"/>
                             </a:rPr>
                           </m:ctrlPr>
@@ -32911,6 +33242,9 @@
                         <m:e>
                           <m:r>
                             <a:rPr lang="en-IN" b="0" i="1" smtClean="0">
+                              <a:solidFill>
+                                <a:schemeClr val="accent1"/>
+                              </a:solidFill>
                               <a:latin typeface="Cambria Math" panose="02040503050406030204" pitchFamily="18" charset="0"/>
                             </a:rPr>
                             <m:t>𝑝𝑟𝑜𝑗</m:t>
@@ -32919,6 +33253,9 @@
                             <m:dPr>
                               <m:ctrlPr>
                                 <a:rPr lang="en-IN" b="0" i="1" smtClean="0">
+                                  <a:solidFill>
+                                    <a:schemeClr val="accent1"/>
+                                  </a:solidFill>
                                   <a:latin typeface="Cambria Math" panose="02040503050406030204" pitchFamily="18" charset="0"/>
                                 </a:rPr>
                               </m:ctrlPr>
@@ -32926,6 +33263,9 @@
                             <m:e>
                               <m:r>
                                 <a:rPr lang="en-IN" b="0" i="1" smtClean="0">
+                                  <a:solidFill>
+                                    <a:schemeClr val="accent1"/>
+                                  </a:solidFill>
                                   <a:latin typeface="Cambria Math" panose="02040503050406030204" pitchFamily="18" charset="0"/>
                                 </a:rPr>
                                 <m:t>𝑖</m:t>
@@ -32936,6 +33276,9 @@
                       </m:d>
                       <m:r>
                         <a:rPr lang="en-IN" b="0" i="1" smtClean="0">
+                          <a:solidFill>
+                            <a:schemeClr val="accent1"/>
+                          </a:solidFill>
                           <a:latin typeface="Cambria Math" panose="02040503050406030204" pitchFamily="18" charset="0"/>
                         </a:rPr>
                         <m:t>→</m:t>
@@ -32944,6 +33287,9 @@
                         <m:sSubPr>
                           <m:ctrlPr>
                             <a:rPr lang="en-IN" b="0" i="1" smtClean="0">
+                              <a:solidFill>
+                                <a:schemeClr val="accent1"/>
+                              </a:solidFill>
                               <a:latin typeface="Cambria Math" panose="02040503050406030204" pitchFamily="18" charset="0"/>
                             </a:rPr>
                           </m:ctrlPr>
@@ -32951,6 +33297,9 @@
                         <m:e>
                           <m:r>
                             <a:rPr lang="en-IN" b="0" i="1" smtClean="0">
+                              <a:solidFill>
+                                <a:schemeClr val="accent1"/>
+                              </a:solidFill>
                               <a:latin typeface="Cambria Math" panose="02040503050406030204" pitchFamily="18" charset="0"/>
                             </a:rPr>
                             <m:t>𝜙</m:t>
@@ -32959,6 +33308,9 @@
                         <m:sub>
                           <m:r>
                             <a:rPr lang="en-IN" b="0" i="1" smtClean="0">
+                              <a:solidFill>
+                                <a:schemeClr val="accent1"/>
+                              </a:solidFill>
                               <a:latin typeface="Cambria Math" panose="02040503050406030204" pitchFamily="18" charset="0"/>
                             </a:rPr>
                             <m:t>𝑉</m:t>
@@ -32967,18 +33319,27 @@
                       </m:sSub>
                       <m:r>
                         <a:rPr lang="en-IN" b="0" i="1" smtClean="0">
+                          <a:solidFill>
+                            <a:schemeClr val="accent1"/>
+                          </a:solidFill>
                           <a:latin typeface="Cambria Math" panose="02040503050406030204" pitchFamily="18" charset="0"/>
                         </a:rPr>
                         <m:t>(</m:t>
                       </m:r>
                       <m:r>
                         <a:rPr lang="en-IN" b="0" i="1" smtClean="0">
+                          <a:solidFill>
+                            <a:schemeClr val="accent1"/>
+                          </a:solidFill>
                           <a:latin typeface="Cambria Math" panose="02040503050406030204" pitchFamily="18" charset="0"/>
                         </a:rPr>
                         <m:t>𝑖</m:t>
                       </m:r>
                       <m:r>
                         <a:rPr lang="en-IN" b="0" i="1" smtClean="0">
+                          <a:solidFill>
+                            <a:schemeClr val="accent1"/>
+                          </a:solidFill>
                           <a:latin typeface="Cambria Math" panose="02040503050406030204" pitchFamily="18" charset="0"/>
                         </a:rPr>
                         <m:t>)</m:t>
@@ -32986,7 +33347,11 @@
                     </m:oMath>
                   </m:oMathPara>
                 </a14:m>
-                <a:endParaRPr lang="en-IN" dirty="0"/>
+                <a:endParaRPr lang="en-IN" dirty="0">
+                  <a:solidFill>
+                    <a:schemeClr val="accent1"/>
+                  </a:solidFill>
+                </a:endParaRPr>
               </a:p>
               <a:p>
                 <a:pPr marL="0" indent="0">
@@ -32996,6 +33361,9 @@
               </a:p>
               <a:p>
                 <a:pPr marL="0" indent="0">
+                  <a:lnSpc>
+                    <a:spcPct val="110000"/>
+                  </a:lnSpc>
                   <a:buNone/>
                 </a:pPr>
                 <a14:m>
@@ -33003,7 +33371,10 @@
                     <m:sSub>
                       <m:sSubPr>
                         <m:ctrlPr>
-                          <a:rPr lang="en-IN" i="1">
+                          <a:rPr lang="en-IN" i="1" smtClean="0">
+                            <a:solidFill>
+                              <a:schemeClr val="accent1"/>
+                            </a:solidFill>
                             <a:latin typeface="Cambria Math" panose="02040503050406030204" pitchFamily="18" charset="0"/>
                           </a:rPr>
                         </m:ctrlPr>
@@ -33011,24 +33382,36 @@
                       <m:e>
                         <m:r>
                           <a:rPr lang="en-IN" b="0" i="1" smtClean="0">
+                            <a:solidFill>
+                              <a:schemeClr val="accent1"/>
+                            </a:solidFill>
                             <a:latin typeface="Cambria Math" panose="02040503050406030204" pitchFamily="18" charset="0"/>
                           </a:rPr>
                           <m:t>∀</m:t>
                         </m:r>
                         <m:r>
                           <a:rPr lang="en-IN" b="0" i="1" smtClean="0">
+                            <a:solidFill>
+                              <a:schemeClr val="accent1"/>
+                            </a:solidFill>
                             <a:latin typeface="Cambria Math" panose="02040503050406030204" pitchFamily="18" charset="0"/>
                           </a:rPr>
                           <m:t>𝑖</m:t>
                         </m:r>
                         <m:r>
                           <a:rPr lang="en-IN" b="0" i="1" smtClean="0">
+                            <a:solidFill>
+                              <a:schemeClr val="accent1"/>
+                            </a:solidFill>
                             <a:latin typeface="Cambria Math" panose="02040503050406030204" pitchFamily="18" charset="0"/>
                           </a:rPr>
                           <m:t>. </m:t>
                         </m:r>
                         <m:r>
                           <a:rPr lang="en-IN" i="1">
+                            <a:solidFill>
+                              <a:schemeClr val="accent1"/>
+                            </a:solidFill>
                             <a:latin typeface="Cambria Math" panose="02040503050406030204" pitchFamily="18" charset="0"/>
                           </a:rPr>
                           <m:t>𝜙</m:t>
@@ -33037,6 +33420,9 @@
                       <m:sub>
                         <m:r>
                           <a:rPr lang="en-IN" i="1">
+                            <a:solidFill>
+                              <a:schemeClr val="accent1"/>
+                            </a:solidFill>
                             <a:latin typeface="Cambria Math" panose="02040503050406030204" pitchFamily="18" charset="0"/>
                           </a:rPr>
                           <m:t>𝑉</m:t>
@@ -33047,6 +33433,9 @@
                       <m:dPr>
                         <m:ctrlPr>
                           <a:rPr lang="en-IN" i="1">
+                            <a:solidFill>
+                              <a:schemeClr val="accent1"/>
+                            </a:solidFill>
                             <a:latin typeface="Cambria Math" panose="02040503050406030204" pitchFamily="18" charset="0"/>
                           </a:rPr>
                         </m:ctrlPr>
@@ -33054,6 +33443,9 @@
                       <m:e>
                         <m:r>
                           <a:rPr lang="en-IN" i="1">
+                            <a:solidFill>
+                              <a:schemeClr val="accent1"/>
+                            </a:solidFill>
                             <a:latin typeface="Cambria Math" panose="02040503050406030204" pitchFamily="18" charset="0"/>
                           </a:rPr>
                           <m:t>𝑝𝑟𝑜𝑗</m:t>
@@ -33062,6 +33454,9 @@
                           <m:dPr>
                             <m:ctrlPr>
                               <a:rPr lang="en-IN" i="1">
+                                <a:solidFill>
+                                  <a:schemeClr val="accent1"/>
+                                </a:solidFill>
                                 <a:latin typeface="Cambria Math" panose="02040503050406030204" pitchFamily="18" charset="0"/>
                               </a:rPr>
                             </m:ctrlPr>
@@ -33069,6 +33464,9 @@
                           <m:e>
                             <m:r>
                               <a:rPr lang="en-IN" b="0" i="1" smtClean="0">
+                                <a:solidFill>
+                                  <a:schemeClr val="accent1"/>
+                                </a:solidFill>
                                 <a:latin typeface="Cambria Math" panose="02040503050406030204" pitchFamily="18" charset="0"/>
                               </a:rPr>
                               <m:t>𝑖</m:t>
@@ -33079,6 +33477,9 @@
                     </m:d>
                     <m:r>
                       <a:rPr lang="en-IN" i="1">
+                        <a:solidFill>
+                          <a:schemeClr val="accent1"/>
+                        </a:solidFill>
                         <a:latin typeface="Cambria Math" panose="02040503050406030204" pitchFamily="18" charset="0"/>
                       </a:rPr>
                       <m:t>→</m:t>
@@ -33087,6 +33488,9 @@
                       <m:sSubPr>
                         <m:ctrlPr>
                           <a:rPr lang="en-IN" i="1">
+                            <a:solidFill>
+                              <a:schemeClr val="accent1"/>
+                            </a:solidFill>
                             <a:latin typeface="Cambria Math" panose="02040503050406030204" pitchFamily="18" charset="0"/>
                           </a:rPr>
                         </m:ctrlPr>
@@ -33094,6 +33498,9 @@
                       <m:e>
                         <m:r>
                           <a:rPr lang="en-IN" i="1">
+                            <a:solidFill>
+                              <a:schemeClr val="accent1"/>
+                            </a:solidFill>
                             <a:latin typeface="Cambria Math" panose="02040503050406030204" pitchFamily="18" charset="0"/>
                           </a:rPr>
                           <m:t>𝜙</m:t>
@@ -33102,6 +33509,9 @@
                       <m:sub>
                         <m:r>
                           <a:rPr lang="en-IN" i="1">
+                            <a:solidFill>
+                              <a:schemeClr val="accent1"/>
+                            </a:solidFill>
                             <a:latin typeface="Cambria Math" panose="02040503050406030204" pitchFamily="18" charset="0"/>
                           </a:rPr>
                           <m:t>𝑉</m:t>
@@ -33112,6 +33522,9 @@
                       <m:dPr>
                         <m:ctrlPr>
                           <a:rPr lang="en-IN" i="1">
+                            <a:solidFill>
+                              <a:schemeClr val="accent1"/>
+                            </a:solidFill>
                             <a:latin typeface="Cambria Math" panose="02040503050406030204" pitchFamily="18" charset="0"/>
                           </a:rPr>
                         </m:ctrlPr>
@@ -33119,6 +33532,9 @@
                       <m:e>
                         <m:r>
                           <a:rPr lang="en-IN" b="0" i="1" smtClean="0">
+                            <a:solidFill>
+                              <a:schemeClr val="accent1"/>
+                            </a:solidFill>
                             <a:latin typeface="Cambria Math" panose="02040503050406030204" pitchFamily="18" charset="0"/>
                           </a:rPr>
                           <m:t>𝑖</m:t>
@@ -33127,6 +33543,9 @@
                     </m:d>
                     <m:r>
                       <a:rPr lang="en-IN" b="0" i="1" smtClean="0">
+                        <a:solidFill>
+                          <a:schemeClr val="accent1"/>
+                        </a:solidFill>
                         <a:latin typeface="Cambria Math" panose="02040503050406030204" pitchFamily="18" charset="0"/>
                       </a:rPr>
                       <m:t> </m:t>
@@ -33269,7 +33688,54 @@
                 </a14:m>
                 <a:r>
                   <a:rPr lang="en-IN" dirty="0"/>
-                  <a:t>, only contains array reads, this implication is also true.</a:t>
+                  <a:t>, only contains array reads, and </a:t>
+                </a:r>
+                <a14:m>
+                  <m:oMath xmlns:m="http://schemas.openxmlformats.org/officeDocument/2006/math">
+                    <m:r>
+                      <a:rPr lang="en-IN" b="0" i="1" smtClean="0">
+                        <a:latin typeface="Cambria Math" panose="02040503050406030204" pitchFamily="18" charset="0"/>
+                      </a:rPr>
+                      <m:t>𝑖</m:t>
+                    </m:r>
+                  </m:oMath>
+                </a14:m>
+                <a:r>
+                  <a:rPr lang="en-IN" dirty="0"/>
+                  <a:t> is used only as an array index in </a:t>
+                </a:r>
+                <a14:m>
+                  <m:oMath xmlns:m="http://schemas.openxmlformats.org/officeDocument/2006/math">
+                    <m:sSub>
+                      <m:sSubPr>
+                        <m:ctrlPr>
+                          <a:rPr lang="en-IN" b="0" i="1" smtClean="0">
+                            <a:latin typeface="Cambria Math" panose="02040503050406030204" pitchFamily="18" charset="0"/>
+                          </a:rPr>
+                        </m:ctrlPr>
+                      </m:sSubPr>
+                      <m:e>
+                        <m:r>
+                          <a:rPr lang="en-IN" b="0" i="1" smtClean="0">
+                            <a:latin typeface="Cambria Math" panose="02040503050406030204" pitchFamily="18" charset="0"/>
+                          </a:rPr>
+                          <m:t>𝜙</m:t>
+                        </m:r>
+                      </m:e>
+                      <m:sub>
+                        <m:r>
+                          <a:rPr lang="en-IN" b="0" i="1" smtClean="0">
+                            <a:latin typeface="Cambria Math" panose="02040503050406030204" pitchFamily="18" charset="0"/>
+                          </a:rPr>
+                          <m:t>𝑉</m:t>
+                        </m:r>
+                      </m:sub>
+                    </m:sSub>
+                  </m:oMath>
+                </a14:m>
+                <a:r>
+                  <a:rPr lang="en-IN" dirty="0"/>
+                  <a:t>, this implication is also true.</a:t>
                 </a:r>
               </a:p>
               <a:p>
@@ -33416,7 +33882,7 @@
             </p:txBody>
           </p:sp>
         </mc:Choice>
-        <mc:Fallback xmlns="">
+        <mc:Fallback>
           <p:sp>
             <p:nvSpPr>
               <p:cNvPr id="3" name="Content Placeholder 2">
@@ -33437,7 +33903,7 @@
               <a:blipFill>
                 <a:blip r:embed="rId2"/>
                 <a:stretch>
-                  <a:fillRect l="-1217" t="-2241" r="-1797" b="-2381"/>
+                  <a:fillRect l="-1043" t="-2101" r="-580" b="-1961"/>
                 </a:stretch>
               </a:blipFill>
             </p:spPr>
@@ -33635,13 +34101,7 @@
                             <a:rPr lang="en-IN" b="0" i="1" smtClean="0">
                               <a:latin typeface="Cambria Math" panose="02040503050406030204" pitchFamily="18" charset="0"/>
                             </a:rPr>
-                            <m:t>=</m:t>
-                          </m:r>
-                          <m:r>
-                            <a:rPr lang="en-IN" b="0" i="1" smtClean="0">
-                              <a:latin typeface="Cambria Math" panose="02040503050406030204" pitchFamily="18" charset="0"/>
-                            </a:rPr>
-                            <m:t>0</m:t>
+                            <m:t>=0</m:t>
                           </m:r>
                         </m:e>
                       </m:d>
@@ -33709,13 +34169,7 @@
                             <a:rPr lang="en-IN" b="0" i="1" smtClean="0">
                               <a:latin typeface="Cambria Math" panose="02040503050406030204" pitchFamily="18" charset="0"/>
                             </a:rPr>
-                            <m:t>←</m:t>
-                          </m:r>
-                          <m:r>
-                            <a:rPr lang="en-IN" b="0" i="1" smtClean="0">
-                              <a:latin typeface="Cambria Math" panose="02040503050406030204" pitchFamily="18" charset="0"/>
-                            </a:rPr>
-                            <m:t>0</m:t>
+                            <m:t>←0</m:t>
                           </m:r>
                         </m:e>
                       </m:d>
@@ -33809,19 +34263,7 @@
                         <a:rPr lang="en-IN" b="0" i="1" smtClean="0">
                           <a:latin typeface="Cambria Math" panose="02040503050406030204" pitchFamily="18" charset="0"/>
                         </a:rPr>
-                        <m:t>=</m:t>
-                      </m:r>
-                      <m:r>
-                        <a:rPr lang="en-IN" b="0" i="1" smtClean="0">
-                          <a:latin typeface="Cambria Math" panose="02040503050406030204" pitchFamily="18" charset="0"/>
-                        </a:rPr>
-                        <m:t>0</m:t>
-                      </m:r>
-                      <m:r>
-                        <a:rPr lang="en-IN" b="0" i="1" smtClean="0">
-                          <a:latin typeface="Cambria Math" panose="02040503050406030204" pitchFamily="18" charset="0"/>
-                        </a:rPr>
-                        <m:t>)</m:t>
+                        <m:t>=0)</m:t>
                       </m:r>
                     </m:oMath>
                   </m:oMathPara>
@@ -35568,8 +36010,8 @@
           </a:p>
         </p:txBody>
       </p:sp>
-      <mc:AlternateContent xmlns:mc="http://schemas.openxmlformats.org/markup-compatibility/2006">
-        <mc:Choice xmlns:a14="http://schemas.microsoft.com/office/drawing/2010/main" Requires="a14">
+      <mc:AlternateContent xmlns:mc="http://schemas.openxmlformats.org/markup-compatibility/2006" xmlns:a14="http://schemas.microsoft.com/office/drawing/2010/main">
+        <mc:Choice Requires="a14">
           <p:sp>
             <p:nvSpPr>
               <p:cNvPr id="3" name="Content Placeholder 2">
@@ -36548,7 +36990,7 @@
             </p:txBody>
           </p:sp>
         </mc:Choice>
-        <mc:Fallback>
+        <mc:Fallback xmlns="">
           <p:sp>
             <p:nvSpPr>
               <p:cNvPr id="3" name="Content Placeholder 2">
@@ -36646,8 +37088,8 @@
           </a:p>
         </p:txBody>
       </p:sp>
-      <mc:AlternateContent xmlns:mc="http://schemas.openxmlformats.org/markup-compatibility/2006">
-        <mc:Choice xmlns:a14="http://schemas.microsoft.com/office/drawing/2010/main" Requires="a14">
+      <mc:AlternateContent xmlns:mc="http://schemas.openxmlformats.org/markup-compatibility/2006" xmlns:a14="http://schemas.microsoft.com/office/drawing/2010/main">
+        <mc:Choice Requires="a14">
           <p:sp>
             <p:nvSpPr>
               <p:cNvPr id="3" name="Content Placeholder 2">
@@ -37635,7 +38077,7 @@
             </p:txBody>
           </p:sp>
         </mc:Choice>
-        <mc:Fallback>
+        <mc:Fallback xmlns="">
           <p:sp>
             <p:nvSpPr>
               <p:cNvPr id="3" name="Content Placeholder 2">
